--- a/LLB.pptx
+++ b/LLB.pptx
@@ -1984,7 +1984,7 @@
         <a:spcBef>
           <a:spcPts val="1000"/>
         </a:spcBef>
-        <a:buFont typeface="Arial" panose="020B0604020202020204"/>
+        <a:buFont typeface="Arial" panose="020B0604020202090204"/>
         <a:buChar char="•"/>
         <a:defRPr sz="2800" kern="1200">
           <a:solidFill>
@@ -2002,7 +2002,7 @@
         <a:spcBef>
           <a:spcPts val="500"/>
         </a:spcBef>
-        <a:buFont typeface="Arial" panose="020B0604020202020204"/>
+        <a:buFont typeface="Arial" panose="020B0604020202090204"/>
         <a:buChar char="•"/>
         <a:defRPr sz="2400" kern="1200">
           <a:solidFill>
@@ -2020,7 +2020,7 @@
         <a:spcBef>
           <a:spcPts val="500"/>
         </a:spcBef>
-        <a:buFont typeface="Arial" panose="020B0604020202020204"/>
+        <a:buFont typeface="Arial" panose="020B0604020202090204"/>
         <a:buChar char="•"/>
         <a:defRPr sz="2000" kern="1200">
           <a:solidFill>
@@ -2038,7 +2038,7 @@
         <a:spcBef>
           <a:spcPts val="500"/>
         </a:spcBef>
-        <a:buFont typeface="Arial" panose="020B0604020202020204"/>
+        <a:buFont typeface="Arial" panose="020B0604020202090204"/>
         <a:buChar char="•"/>
         <a:defRPr sz="1800" kern="1200">
           <a:solidFill>
@@ -2056,7 +2056,7 @@
         <a:spcBef>
           <a:spcPts val="500"/>
         </a:spcBef>
-        <a:buFont typeface="Arial" panose="020B0604020202020204"/>
+        <a:buFont typeface="Arial" panose="020B0604020202090204"/>
         <a:buChar char="•"/>
         <a:defRPr sz="1800" kern="1200">
           <a:solidFill>
@@ -2074,7 +2074,7 @@
         <a:spcBef>
           <a:spcPts val="500"/>
         </a:spcBef>
-        <a:buFont typeface="Arial" panose="020B0604020202020204"/>
+        <a:buFont typeface="Arial" panose="020B0604020202090204"/>
         <a:buChar char="•"/>
         <a:defRPr sz="1800" kern="1200">
           <a:solidFill>
@@ -2092,7 +2092,7 @@
         <a:spcBef>
           <a:spcPts val="500"/>
         </a:spcBef>
-        <a:buFont typeface="Arial" panose="020B0604020202020204"/>
+        <a:buFont typeface="Arial" panose="020B0604020202090204"/>
         <a:buChar char="•"/>
         <a:defRPr sz="1800" kern="1200">
           <a:solidFill>
@@ -2110,7 +2110,7 @@
         <a:spcBef>
           <a:spcPts val="500"/>
         </a:spcBef>
-        <a:buFont typeface="Arial" panose="020B0604020202020204"/>
+        <a:buFont typeface="Arial" panose="020B0604020202090204"/>
         <a:buChar char="•"/>
         <a:defRPr sz="1800" kern="1200">
           <a:solidFill>
@@ -2128,7 +2128,7 @@
         <a:spcBef>
           <a:spcPts val="500"/>
         </a:spcBef>
-        <a:buFont typeface="Arial" panose="020B0604020202020204"/>
+        <a:buFont typeface="Arial" panose="020B0604020202090204"/>
         <a:buChar char="•"/>
         <a:defRPr sz="1800" kern="1200">
           <a:solidFill>
@@ -3180,7 +3180,6 @@
           <a:p>
             <a:pPr algn="ctr"/>
             <a:endParaRPr lang="en-US" sz="2400" b="1">
-              <a:ln/>
               <a:solidFill>
                 <a:schemeClr val="accent1"/>
               </a:solidFill>
@@ -10911,7 +10910,7 @@
               <a:spcBef>
                 <a:spcPct val="20000"/>
               </a:spcBef>
-              <a:buFont typeface="Arial" panose="020B0604020202020204" pitchFamily="34" charset="0"/>
+              <a:buFont typeface="Arial" panose="020B0604020202090204" pitchFamily="34" charset="0"/>
               <a:buChar char="•"/>
               <a:defRPr sz="2000" kern="1200">
                 <a:solidFill>
@@ -10926,7 +10925,7 @@
               <a:spcBef>
                 <a:spcPct val="20000"/>
               </a:spcBef>
-              <a:buFont typeface="Arial" panose="020B0604020202020204" pitchFamily="34" charset="0"/>
+              <a:buFont typeface="Arial" panose="020B0604020202090204" pitchFamily="34" charset="0"/>
               <a:buChar char="•"/>
               <a:defRPr sz="2000" kern="1200">
                 <a:solidFill>
@@ -10941,7 +10940,7 @@
               <a:spcBef>
                 <a:spcPct val="20000"/>
               </a:spcBef>
-              <a:buFont typeface="Arial" panose="020B0604020202020204" pitchFamily="34" charset="0"/>
+              <a:buFont typeface="Arial" panose="020B0604020202090204" pitchFamily="34" charset="0"/>
               <a:buChar char="•"/>
               <a:defRPr sz="2000" kern="1200">
                 <a:solidFill>
@@ -10956,7 +10955,7 @@
               <a:spcBef>
                 <a:spcPct val="20000"/>
               </a:spcBef>
-              <a:buFont typeface="Arial" panose="020B0604020202020204" pitchFamily="34" charset="0"/>
+              <a:buFont typeface="Arial" panose="020B0604020202090204" pitchFamily="34" charset="0"/>
               <a:buChar char="•"/>
               <a:defRPr sz="2000" kern="1200">
                 <a:solidFill>
@@ -10980,17 +10979,17 @@
             </a:pPr>
             <a:r>
               <a:rPr lang="en-US" altLang="zh-CN" sz="2000" dirty="0">
-                <a:latin typeface="Times New Roman" panose="02020603050405020304" pitchFamily="18" charset="0"/>
+                <a:latin typeface="Times New Roman" panose="02020503050405090304" pitchFamily="18" charset="0"/>
                 <a:ea typeface="字魂58号-创中黑" panose="00000500000000000000" pitchFamily="2" charset="-122"/>
-                <a:cs typeface="Times New Roman" panose="02020603050405020304" pitchFamily="18" charset="0"/>
+                <a:cs typeface="Times New Roman" panose="02020503050405090304" pitchFamily="18" charset="0"/>
                 <a:sym typeface="字魂58号-创中黑" panose="00000500000000000000" pitchFamily="2" charset="-122"/>
               </a:rPr>
               <a:t>Expand asset types (cryptocurrencies, ETFs).</a:t>
             </a:r>
             <a:endParaRPr lang="en-US" altLang="zh-CN" sz="2000" dirty="0">
-              <a:latin typeface="Times New Roman" panose="02020603050405020304" pitchFamily="18" charset="0"/>
+              <a:latin typeface="Times New Roman" panose="02020503050405090304" pitchFamily="18" charset="0"/>
               <a:ea typeface="字魂58号-创中黑" panose="00000500000000000000" pitchFamily="2" charset="-122"/>
-              <a:cs typeface="Times New Roman" panose="02020603050405020304" pitchFamily="18" charset="0"/>
+              <a:cs typeface="Times New Roman" panose="02020503050405090304" pitchFamily="18" charset="0"/>
               <a:sym typeface="字魂58号-创中黑" panose="00000500000000000000" pitchFamily="2" charset="-122"/>
             </a:endParaRPr>
           </a:p>
@@ -11129,7 +11128,7 @@
               <a:spcBef>
                 <a:spcPct val="20000"/>
               </a:spcBef>
-              <a:buFont typeface="Arial" panose="020B0604020202020204" pitchFamily="34" charset="0"/>
+              <a:buFont typeface="Arial" panose="020B0604020202090204" pitchFamily="34" charset="0"/>
               <a:buChar char="•"/>
               <a:defRPr sz="2000" kern="1200">
                 <a:solidFill>
@@ -11144,7 +11143,7 @@
               <a:spcBef>
                 <a:spcPct val="20000"/>
               </a:spcBef>
-              <a:buFont typeface="Arial" panose="020B0604020202020204" pitchFamily="34" charset="0"/>
+              <a:buFont typeface="Arial" panose="020B0604020202090204" pitchFamily="34" charset="0"/>
               <a:buChar char="•"/>
               <a:defRPr sz="2000" kern="1200">
                 <a:solidFill>
@@ -11159,7 +11158,7 @@
               <a:spcBef>
                 <a:spcPct val="20000"/>
               </a:spcBef>
-              <a:buFont typeface="Arial" panose="020B0604020202020204" pitchFamily="34" charset="0"/>
+              <a:buFont typeface="Arial" panose="020B0604020202090204" pitchFamily="34" charset="0"/>
               <a:buChar char="•"/>
               <a:defRPr sz="2000" kern="1200">
                 <a:solidFill>
@@ -11174,7 +11173,7 @@
               <a:spcBef>
                 <a:spcPct val="20000"/>
               </a:spcBef>
-              <a:buFont typeface="Arial" panose="020B0604020202020204" pitchFamily="34" charset="0"/>
+              <a:buFont typeface="Arial" panose="020B0604020202090204" pitchFamily="34" charset="0"/>
               <a:buChar char="•"/>
               <a:defRPr sz="2000" kern="1200">
                 <a:solidFill>
@@ -11198,17 +11197,17 @@
             </a:pPr>
             <a:r>
               <a:rPr lang="en-US" altLang="zh-CN" sz="1800" dirty="0">
-                <a:latin typeface="Times New Roman" panose="02020603050405020304" pitchFamily="18" charset="0"/>
+                <a:latin typeface="Times New Roman" panose="02020503050405090304" pitchFamily="18" charset="0"/>
                 <a:ea typeface="字魂58号-创中黑" panose="00000500000000000000" pitchFamily="2" charset="-122"/>
-                <a:cs typeface="Times New Roman" panose="02020603050405020304" pitchFamily="18" charset="0"/>
+                <a:cs typeface="Times New Roman" panose="02020503050405090304" pitchFamily="18" charset="0"/>
                 <a:sym typeface="字魂58号-创中黑" panose="00000500000000000000" pitchFamily="2" charset="-122"/>
               </a:rPr>
               <a:t>Modernize UI/UX (React/Vue).</a:t>
             </a:r>
             <a:endParaRPr lang="en-US" altLang="zh-CN" sz="1800" dirty="0">
-              <a:latin typeface="Times New Roman" panose="02020603050405020304" pitchFamily="18" charset="0"/>
+              <a:latin typeface="Times New Roman" panose="02020503050405090304" pitchFamily="18" charset="0"/>
               <a:ea typeface="字魂58号-创中黑" panose="00000500000000000000" pitchFamily="2" charset="-122"/>
-              <a:cs typeface="Times New Roman" panose="02020603050405020304" pitchFamily="18" charset="0"/>
+              <a:cs typeface="Times New Roman" panose="02020503050405090304" pitchFamily="18" charset="0"/>
               <a:sym typeface="字魂58号-创中黑" panose="00000500000000000000" pitchFamily="2" charset="-122"/>
             </a:endParaRPr>
           </a:p>
@@ -11347,7 +11346,7 @@
               <a:spcBef>
                 <a:spcPct val="20000"/>
               </a:spcBef>
-              <a:buFont typeface="Arial" panose="020B0604020202020204" pitchFamily="34" charset="0"/>
+              <a:buFont typeface="Arial" panose="020B0604020202090204" pitchFamily="34" charset="0"/>
               <a:buChar char="•"/>
               <a:defRPr sz="2000" kern="1200">
                 <a:solidFill>
@@ -11362,7 +11361,7 @@
               <a:spcBef>
                 <a:spcPct val="20000"/>
               </a:spcBef>
-              <a:buFont typeface="Arial" panose="020B0604020202020204" pitchFamily="34" charset="0"/>
+              <a:buFont typeface="Arial" panose="020B0604020202090204" pitchFamily="34" charset="0"/>
               <a:buChar char="•"/>
               <a:defRPr sz="2000" kern="1200">
                 <a:solidFill>
@@ -11377,7 +11376,7 @@
               <a:spcBef>
                 <a:spcPct val="20000"/>
               </a:spcBef>
-              <a:buFont typeface="Arial" panose="020B0604020202020204" pitchFamily="34" charset="0"/>
+              <a:buFont typeface="Arial" panose="020B0604020202090204" pitchFamily="34" charset="0"/>
               <a:buChar char="•"/>
               <a:defRPr sz="2000" kern="1200">
                 <a:solidFill>
@@ -11392,7 +11391,7 @@
               <a:spcBef>
                 <a:spcPct val="20000"/>
               </a:spcBef>
-              <a:buFont typeface="Arial" panose="020B0604020202020204" pitchFamily="34" charset="0"/>
+              <a:buFont typeface="Arial" panose="020B0604020202090204" pitchFamily="34" charset="0"/>
               <a:buChar char="•"/>
               <a:defRPr sz="2000" kern="1200">
                 <a:solidFill>
@@ -11416,17 +11415,17 @@
             </a:pPr>
             <a:r>
               <a:rPr lang="en-US" altLang="zh-CN" sz="2000" dirty="0">
-                <a:latin typeface="Times New Roman" panose="02020603050405020304" pitchFamily="18" charset="0"/>
+                <a:latin typeface="Times New Roman" panose="02020503050405090304" pitchFamily="18" charset="0"/>
                 <a:ea typeface="字魂58号-创中黑" panose="00000500000000000000" pitchFamily="2" charset="-122"/>
-                <a:cs typeface="Times New Roman" panose="02020603050405020304" pitchFamily="18" charset="0"/>
+                <a:cs typeface="Times New Roman" panose="02020503050405090304" pitchFamily="18" charset="0"/>
                 <a:sym typeface="字魂58号-创中黑" panose="00000500000000000000" pitchFamily="2" charset="-122"/>
               </a:rPr>
               <a:t>User authentication; multi-user environment.</a:t>
             </a:r>
             <a:endParaRPr lang="en-US" altLang="zh-CN" sz="2000" dirty="0">
-              <a:latin typeface="Times New Roman" panose="02020603050405020304" pitchFamily="18" charset="0"/>
+              <a:latin typeface="Times New Roman" panose="02020503050405090304" pitchFamily="18" charset="0"/>
               <a:ea typeface="字魂58号-创中黑" panose="00000500000000000000" pitchFamily="2" charset="-122"/>
-              <a:cs typeface="Times New Roman" panose="02020603050405020304" pitchFamily="18" charset="0"/>
+              <a:cs typeface="Times New Roman" panose="02020503050405090304" pitchFamily="18" charset="0"/>
               <a:sym typeface="字魂58号-创中黑" panose="00000500000000000000" pitchFamily="2" charset="-122"/>
             </a:endParaRPr>
           </a:p>
@@ -11565,7 +11564,7 @@
               <a:spcBef>
                 <a:spcPct val="20000"/>
               </a:spcBef>
-              <a:buFont typeface="Arial" panose="020B0604020202020204" pitchFamily="34" charset="0"/>
+              <a:buFont typeface="Arial" panose="020B0604020202090204" pitchFamily="34" charset="0"/>
               <a:buChar char="•"/>
               <a:defRPr sz="2000" kern="1200">
                 <a:solidFill>
@@ -11580,7 +11579,7 @@
               <a:spcBef>
                 <a:spcPct val="20000"/>
               </a:spcBef>
-              <a:buFont typeface="Arial" panose="020B0604020202020204" pitchFamily="34" charset="0"/>
+              <a:buFont typeface="Arial" panose="020B0604020202090204" pitchFamily="34" charset="0"/>
               <a:buChar char="•"/>
               <a:defRPr sz="2000" kern="1200">
                 <a:solidFill>
@@ -11595,7 +11594,7 @@
               <a:spcBef>
                 <a:spcPct val="20000"/>
               </a:spcBef>
-              <a:buFont typeface="Arial" panose="020B0604020202020204" pitchFamily="34" charset="0"/>
+              <a:buFont typeface="Arial" panose="020B0604020202090204" pitchFamily="34" charset="0"/>
               <a:buChar char="•"/>
               <a:defRPr sz="2000" kern="1200">
                 <a:solidFill>
@@ -11610,7 +11609,7 @@
               <a:spcBef>
                 <a:spcPct val="20000"/>
               </a:spcBef>
-              <a:buFont typeface="Arial" panose="020B0604020202020204" pitchFamily="34" charset="0"/>
+              <a:buFont typeface="Arial" panose="020B0604020202090204" pitchFamily="34" charset="0"/>
               <a:buChar char="•"/>
               <a:defRPr sz="2000" kern="1200">
                 <a:solidFill>
@@ -11634,17 +11633,17 @@
             </a:pPr>
             <a:r>
               <a:rPr lang="en-US" altLang="zh-CN" sz="1800" dirty="0">
-                <a:latin typeface="Times New Roman" panose="02020603050405020304" pitchFamily="18" charset="0"/>
+                <a:latin typeface="Times New Roman" panose="02020503050405090304" pitchFamily="18" charset="0"/>
                 <a:ea typeface="字魂58号-创中黑" panose="00000500000000000000" pitchFamily="2" charset="-122"/>
-                <a:cs typeface="Times New Roman" panose="02020603050405020304" pitchFamily="18" charset="0"/>
+                <a:cs typeface="Times New Roman" panose="02020503050405090304" pitchFamily="18" charset="0"/>
                 <a:sym typeface="字魂58号-创中黑" panose="00000500000000000000" pitchFamily="2" charset="-122"/>
               </a:rPr>
               <a:t>Advanced analytics and reporting</a:t>
             </a:r>
             <a:endParaRPr lang="en-US" altLang="zh-CN" sz="1800" dirty="0">
-              <a:latin typeface="Times New Roman" panose="02020603050405020304" pitchFamily="18" charset="0"/>
+              <a:latin typeface="Times New Roman" panose="02020503050405090304" pitchFamily="18" charset="0"/>
               <a:ea typeface="字魂58号-创中黑" panose="00000500000000000000" pitchFamily="2" charset="-122"/>
-              <a:cs typeface="Times New Roman" panose="02020603050405020304" pitchFamily="18" charset="0"/>
+              <a:cs typeface="Times New Roman" panose="02020503050405090304" pitchFamily="18" charset="0"/>
               <a:sym typeface="字魂58号-创中黑" panose="00000500000000000000" pitchFamily="2" charset="-122"/>
             </a:endParaRPr>
           </a:p>
@@ -11751,17 +11750,17 @@
             <a:pPr algn="ctr"/>
             <a:r>
               <a:rPr lang="en-US" altLang="zh-CN" sz="3200" dirty="0">
-                <a:latin typeface="Times New Roman" panose="02020603050405020304" pitchFamily="18" charset="0"/>
+                <a:latin typeface="Times New Roman" panose="02020503050405090304" pitchFamily="18" charset="0"/>
                 <a:ea typeface="字魂58号-创中黑" panose="00000500000000000000" pitchFamily="2" charset="-122"/>
-                <a:cs typeface="Times New Roman" panose="02020603050405020304" pitchFamily="18" charset="0"/>
+                <a:cs typeface="Times New Roman" panose="02020503050405090304" pitchFamily="18" charset="0"/>
                 <a:sym typeface="字魂58号-创中黑" panose="00000500000000000000" pitchFamily="2" charset="-122"/>
               </a:rPr>
               <a:t>Conclusion &amp; Next Steps</a:t>
             </a:r>
             <a:endParaRPr lang="en-US" altLang="zh-CN" sz="3200" dirty="0">
-              <a:latin typeface="Times New Roman" panose="02020603050405020304" pitchFamily="18" charset="0"/>
+              <a:latin typeface="Times New Roman" panose="02020503050405090304" pitchFamily="18" charset="0"/>
               <a:ea typeface="字魂58号-创中黑" panose="00000500000000000000" pitchFamily="2" charset="-122"/>
-              <a:cs typeface="Times New Roman" panose="02020603050405020304" pitchFamily="18" charset="0"/>
+              <a:cs typeface="Times New Roman" panose="02020503050405090304" pitchFamily="18" charset="0"/>
               <a:sym typeface="字魂58号-创中黑" panose="00000500000000000000" pitchFamily="2" charset="-122"/>
             </a:endParaRPr>
           </a:p>
@@ -11924,8 +11923,8 @@
                     </a:schemeClr>
                   </a:outerShdw>
                 </a:effectLst>
-                <a:latin typeface="宋体" panose="02010600030101010101" pitchFamily="2" charset="-122"/>
-                <a:ea typeface="宋体" panose="02010600030101010101" pitchFamily="2" charset="-122"/>
+                <a:latin typeface="宋体" pitchFamily="2" charset="-122"/>
+                <a:ea typeface="宋体" pitchFamily="2" charset="-122"/>
                 <a:sym typeface="微软雅黑" panose="020B0503020204020204" charset="-122"/>
               </a:rPr>
               <a:t>Thank you</a:t>
@@ -11942,8 +11941,8 @@
                     </a:schemeClr>
                   </a:outerShdw>
                 </a:effectLst>
-                <a:latin typeface="宋体" panose="02010600030101010101" pitchFamily="2" charset="-122"/>
-                <a:ea typeface="宋体" panose="02010600030101010101" pitchFamily="2" charset="-122"/>
+                <a:latin typeface="宋体" pitchFamily="2" charset="-122"/>
+                <a:ea typeface="宋体" pitchFamily="2" charset="-122"/>
                 <a:sym typeface="微软雅黑" panose="020B0503020204020204" charset="-122"/>
               </a:rPr>
               <a:t>！</a:t>
@@ -11959,8 +11958,8 @@
                   </a:schemeClr>
                 </a:outerShdw>
               </a:effectLst>
-              <a:latin typeface="宋体" panose="02010600030101010101" pitchFamily="2" charset="-122"/>
-              <a:ea typeface="宋体" panose="02010600030101010101" pitchFamily="2" charset="-122"/>
+              <a:latin typeface="宋体" pitchFamily="2" charset="-122"/>
+              <a:ea typeface="宋体" pitchFamily="2" charset="-122"/>
               <a:sym typeface="微软雅黑" panose="020B0503020204020204" charset="-122"/>
             </a:endParaRPr>
           </a:p>
@@ -12230,17 +12229,17 @@
             <a:pPr algn="ctr"/>
             <a:r>
               <a:rPr lang="en-US" altLang="zh-CN" sz="3200" dirty="0">
-                <a:latin typeface="Times New Roman" panose="02020603050405020304" pitchFamily="18" charset="0"/>
+                <a:latin typeface="Times New Roman" panose="02020503050405090304" pitchFamily="18" charset="0"/>
                 <a:ea typeface="字魂58号-创中黑" panose="00000500000000000000" pitchFamily="2" charset="-122"/>
-                <a:cs typeface="Times New Roman" panose="02020603050405020304" pitchFamily="18" charset="0"/>
+                <a:cs typeface="Times New Roman" panose="02020503050405090304" pitchFamily="18" charset="0"/>
                 <a:sym typeface="字魂58号-创中黑" panose="00000500000000000000" pitchFamily="2" charset="-122"/>
               </a:rPr>
               <a:t>Team Members</a:t>
             </a:r>
             <a:endParaRPr lang="en-US" altLang="zh-CN" sz="3200" dirty="0">
-              <a:latin typeface="Times New Roman" panose="02020603050405020304" pitchFamily="18" charset="0"/>
+              <a:latin typeface="Times New Roman" panose="02020503050405090304" pitchFamily="18" charset="0"/>
               <a:ea typeface="字魂58号-创中黑" panose="00000500000000000000" pitchFamily="2" charset="-122"/>
-              <a:cs typeface="Times New Roman" panose="02020603050405020304" pitchFamily="18" charset="0"/>
+              <a:cs typeface="Times New Roman" panose="02020503050405090304" pitchFamily="18" charset="0"/>
               <a:sym typeface="字魂58号-创中黑" panose="00000500000000000000" pitchFamily="2" charset="-122"/>
             </a:endParaRPr>
           </a:p>
@@ -17233,8 +17232,8 @@
         </p:nvSpPr>
         <p:spPr>
           <a:xfrm>
-            <a:off x="933450" y="4706620"/>
-            <a:ext cx="1852295" cy="959485"/>
+            <a:off x="933450" y="4739005"/>
+            <a:ext cx="1852295" cy="927100"/>
           </a:xfrm>
           <a:prstGeom prst="rect">
             <a:avLst/>
@@ -17258,9 +17257,9 @@
                 <a:solidFill>
                   <a:srgbClr val="000000"/>
                 </a:solidFill>
-                <a:latin typeface="Times New Roman" panose="02020603050405020304" pitchFamily="18" charset="0"/>
+                <a:latin typeface="Times New Roman" panose="02020503050405090304" pitchFamily="18" charset="0"/>
                 <a:ea typeface="字魂58号-创中黑" panose="00000500000000000000" pitchFamily="2" charset="-122"/>
-                <a:cs typeface="Times New Roman" panose="02020603050405020304" pitchFamily="18" charset="0"/>
+                <a:cs typeface="Times New Roman" panose="02020503050405090304" pitchFamily="18" charset="0"/>
                 <a:sym typeface="字魂58号-创中黑" panose="00000500000000000000" pitchFamily="2" charset="-122"/>
               </a:rPr>
               <a:t>Database &amp; Backend</a:t>
@@ -17269,9 +17268,9 @@
               <a:solidFill>
                 <a:srgbClr val="000000"/>
               </a:solidFill>
-              <a:latin typeface="Times New Roman" panose="02020603050405020304" pitchFamily="18" charset="0"/>
+              <a:latin typeface="Times New Roman" panose="02020503050405090304" pitchFamily="18" charset="0"/>
               <a:ea typeface="字魂58号-创中黑" panose="00000500000000000000" pitchFamily="2" charset="-122"/>
-              <a:cs typeface="Times New Roman" panose="02020603050405020304" pitchFamily="18" charset="0"/>
+              <a:cs typeface="Times New Roman" panose="02020503050405090304" pitchFamily="18" charset="0"/>
               <a:sym typeface="字魂58号-创中黑" panose="00000500000000000000" pitchFamily="2" charset="-122"/>
             </a:endParaRPr>
           </a:p>
@@ -17313,9 +17312,9 @@
                 <a:solidFill>
                   <a:srgbClr val="333434"/>
                 </a:solidFill>
-                <a:latin typeface="Times New Roman" panose="02020603050405020304" pitchFamily="18" charset="0"/>
+                <a:latin typeface="Times New Roman" panose="02020503050405090304" pitchFamily="18" charset="0"/>
                 <a:ea typeface="字魂58号-创中黑" panose="00000500000000000000" pitchFamily="2" charset="-122"/>
-                <a:cs typeface="Times New Roman" panose="02020603050405020304" pitchFamily="18" charset="0"/>
+                <a:cs typeface="Times New Roman" panose="02020503050405090304" pitchFamily="18" charset="0"/>
                 <a:sym typeface="字魂58号-创中黑" panose="00000500000000000000" pitchFamily="2" charset="-122"/>
               </a:rPr>
               <a:t>Sharon Shang Guan</a:t>
@@ -17324,9 +17323,9 @@
               <a:solidFill>
                 <a:srgbClr val="333434"/>
               </a:solidFill>
-              <a:latin typeface="Times New Roman" panose="02020603050405020304" pitchFamily="18" charset="0"/>
+              <a:latin typeface="Times New Roman" panose="02020503050405090304" pitchFamily="18" charset="0"/>
               <a:ea typeface="字魂58号-创中黑" panose="00000500000000000000" pitchFamily="2" charset="-122"/>
-              <a:cs typeface="Times New Roman" panose="02020603050405020304" pitchFamily="18" charset="0"/>
+              <a:cs typeface="Times New Roman" panose="02020503050405090304" pitchFamily="18" charset="0"/>
               <a:sym typeface="字魂58号-创中黑" panose="00000500000000000000" pitchFamily="2" charset="-122"/>
             </a:endParaRPr>
           </a:p>
@@ -17368,9 +17367,9 @@
                 <a:solidFill>
                   <a:srgbClr val="333434"/>
                 </a:solidFill>
-                <a:latin typeface="Times New Roman" panose="02020603050405020304" pitchFamily="18" charset="0"/>
+                <a:latin typeface="Times New Roman" panose="02020503050405090304" pitchFamily="18" charset="0"/>
                 <a:ea typeface="字魂58号-创中黑" panose="00000500000000000000" pitchFamily="2" charset="-122"/>
-                <a:cs typeface="Times New Roman" panose="02020603050405020304" pitchFamily="18" charset="0"/>
+                <a:cs typeface="Times New Roman" panose="02020503050405090304" pitchFamily="18" charset="0"/>
                 <a:sym typeface="字魂58号-创中黑" panose="00000500000000000000" pitchFamily="2" charset="-122"/>
               </a:rPr>
               <a:t>Kelvin Chang</a:t>
@@ -17379,9 +17378,9 @@
               <a:solidFill>
                 <a:srgbClr val="333434"/>
               </a:solidFill>
-              <a:latin typeface="Times New Roman" panose="02020603050405020304" pitchFamily="18" charset="0"/>
+              <a:latin typeface="Times New Roman" panose="02020503050405090304" pitchFamily="18" charset="0"/>
               <a:ea typeface="字魂58号-创中黑" panose="00000500000000000000" pitchFamily="2" charset="-122"/>
-              <a:cs typeface="Times New Roman" panose="02020603050405020304" pitchFamily="18" charset="0"/>
+              <a:cs typeface="Times New Roman" panose="02020503050405090304" pitchFamily="18" charset="0"/>
               <a:sym typeface="字魂58号-创中黑" panose="00000500000000000000" pitchFamily="2" charset="-122"/>
             </a:endParaRPr>
           </a:p>
@@ -17423,9 +17422,9 @@
                 <a:solidFill>
                   <a:srgbClr val="333434"/>
                 </a:solidFill>
-                <a:latin typeface="Times New Roman" panose="02020603050405020304" pitchFamily="18" charset="0"/>
+                <a:latin typeface="Times New Roman" panose="02020503050405090304" pitchFamily="18" charset="0"/>
                 <a:ea typeface="字魂58号-创中黑" panose="00000500000000000000" pitchFamily="2" charset="-122"/>
-                <a:cs typeface="Times New Roman" panose="02020603050405020304" pitchFamily="18" charset="0"/>
+                <a:cs typeface="Times New Roman" panose="02020503050405090304" pitchFamily="18" charset="0"/>
                 <a:sym typeface="字魂58号-创中黑" panose="00000500000000000000" pitchFamily="2" charset="-122"/>
               </a:rPr>
               <a:t>Richard Wang</a:t>
@@ -17434,9 +17433,9 @@
               <a:solidFill>
                 <a:srgbClr val="333434"/>
               </a:solidFill>
-              <a:latin typeface="Times New Roman" panose="02020603050405020304" pitchFamily="18" charset="0"/>
+              <a:latin typeface="Times New Roman" panose="02020503050405090304" pitchFamily="18" charset="0"/>
               <a:ea typeface="字魂58号-创中黑" panose="00000500000000000000" pitchFamily="2" charset="-122"/>
-              <a:cs typeface="Times New Roman" panose="02020603050405020304" pitchFamily="18" charset="0"/>
+              <a:cs typeface="Times New Roman" panose="02020503050405090304" pitchFamily="18" charset="0"/>
               <a:sym typeface="字魂58号-创中黑" panose="00000500000000000000" pitchFamily="2" charset="-122"/>
             </a:endParaRPr>
           </a:p>
@@ -17478,9 +17477,9 @@
                 <a:solidFill>
                   <a:srgbClr val="333434"/>
                 </a:solidFill>
-                <a:latin typeface="Times New Roman" panose="02020603050405020304" pitchFamily="18" charset="0"/>
+                <a:latin typeface="Times New Roman" panose="02020503050405090304" pitchFamily="18" charset="0"/>
                 <a:ea typeface="字魂58号-创中黑" panose="00000500000000000000" pitchFamily="2" charset="-122"/>
-                <a:cs typeface="Times New Roman" panose="02020603050405020304" pitchFamily="18" charset="0"/>
+                <a:cs typeface="Times New Roman" panose="02020503050405090304" pitchFamily="18" charset="0"/>
                 <a:sym typeface="字魂58号-创中黑" panose="00000500000000000000" pitchFamily="2" charset="-122"/>
               </a:rPr>
               <a:t>Anthony Wang</a:t>
@@ -17489,9 +17488,9 @@
               <a:solidFill>
                 <a:srgbClr val="333434"/>
               </a:solidFill>
-              <a:latin typeface="Times New Roman" panose="02020603050405020304" pitchFamily="18" charset="0"/>
+              <a:latin typeface="Times New Roman" panose="02020503050405090304" pitchFamily="18" charset="0"/>
               <a:ea typeface="字魂58号-创中黑" panose="00000500000000000000" pitchFamily="2" charset="-122"/>
-              <a:cs typeface="Times New Roman" panose="02020603050405020304" pitchFamily="18" charset="0"/>
+              <a:cs typeface="Times New Roman" panose="02020503050405090304" pitchFamily="18" charset="0"/>
               <a:sym typeface="字魂58号-创中黑" panose="00000500000000000000" pitchFamily="2" charset="-122"/>
             </a:endParaRPr>
           </a:p>
@@ -17645,9 +17644,9 @@
                 <a:solidFill>
                   <a:srgbClr val="000000"/>
                 </a:solidFill>
-                <a:latin typeface="Times New Roman" panose="02020603050405020304" pitchFamily="18" charset="0"/>
+                <a:latin typeface="Times New Roman" panose="02020503050405090304" pitchFamily="18" charset="0"/>
                 <a:ea typeface="字魂58号-创中黑" panose="00000500000000000000" pitchFamily="2" charset="-122"/>
-                <a:cs typeface="Times New Roman" panose="02020603050405020304" pitchFamily="18" charset="0"/>
+                <a:cs typeface="Times New Roman" panose="02020503050405090304" pitchFamily="18" charset="0"/>
                 <a:sym typeface="字魂58号-创中黑" panose="00000500000000000000" pitchFamily="2" charset="-122"/>
               </a:rPr>
               <a:t>System Architecture &amp; Frontend</a:t>
@@ -17656,9 +17655,9 @@
               <a:solidFill>
                 <a:srgbClr val="000000"/>
               </a:solidFill>
-              <a:latin typeface="Times New Roman" panose="02020603050405020304" pitchFamily="18" charset="0"/>
+              <a:latin typeface="Times New Roman" panose="02020503050405090304" pitchFamily="18" charset="0"/>
               <a:ea typeface="字魂58号-创中黑" panose="00000500000000000000" pitchFamily="2" charset="-122"/>
-              <a:cs typeface="Times New Roman" panose="02020603050405020304" pitchFamily="18" charset="0"/>
+              <a:cs typeface="Times New Roman" panose="02020503050405090304" pitchFamily="18" charset="0"/>
               <a:sym typeface="字魂58号-创中黑" panose="00000500000000000000" pitchFamily="2" charset="-122"/>
             </a:endParaRPr>
           </a:p>
@@ -17700,9 +17699,9 @@
                 <a:solidFill>
                   <a:srgbClr val="000000"/>
                 </a:solidFill>
-                <a:latin typeface="Times New Roman" panose="02020603050405020304" pitchFamily="18" charset="0"/>
+                <a:latin typeface="Times New Roman" panose="02020503050405090304" pitchFamily="18" charset="0"/>
                 <a:ea typeface="字魂58号-创中黑" panose="00000500000000000000" pitchFamily="2" charset="-122"/>
-                <a:cs typeface="Times New Roman" panose="02020603050405020304" pitchFamily="18" charset="0"/>
+                <a:cs typeface="Times New Roman" panose="02020503050405090304" pitchFamily="18" charset="0"/>
                 <a:sym typeface="字魂58号-创中黑" panose="00000500000000000000" pitchFamily="2" charset="-122"/>
               </a:rPr>
               <a:t>API Integration </a:t>
@@ -17712,9 +17711,9 @@
                 <a:solidFill>
                   <a:srgbClr val="000000"/>
                 </a:solidFill>
-                <a:latin typeface="Times New Roman" panose="02020603050405020304" pitchFamily="18" charset="0"/>
+                <a:latin typeface="Times New Roman" panose="02020503050405090304" pitchFamily="18" charset="0"/>
                 <a:ea typeface="字魂58号-创中黑" panose="00000500000000000000" pitchFamily="2" charset="-122"/>
-                <a:cs typeface="Times New Roman" panose="02020603050405020304" pitchFamily="18" charset="0"/>
+                <a:cs typeface="Times New Roman" panose="02020503050405090304" pitchFamily="18" charset="0"/>
                 <a:sym typeface="字魂58号-创中黑" panose="00000500000000000000" pitchFamily="2" charset="-122"/>
               </a:rPr>
               <a:t>&amp;Backend  </a:t>
@@ -17723,9 +17722,9 @@
               <a:solidFill>
                 <a:srgbClr val="000000"/>
               </a:solidFill>
-              <a:latin typeface="Times New Roman" panose="02020603050405020304" pitchFamily="18" charset="0"/>
+              <a:latin typeface="Times New Roman" panose="02020503050405090304" pitchFamily="18" charset="0"/>
               <a:ea typeface="字魂58号-创中黑" panose="00000500000000000000" pitchFamily="2" charset="-122"/>
-              <a:cs typeface="Times New Roman" panose="02020603050405020304" pitchFamily="18" charset="0"/>
+              <a:cs typeface="Times New Roman" panose="02020503050405090304" pitchFamily="18" charset="0"/>
               <a:sym typeface="字魂58号-创中黑" panose="00000500000000000000" pitchFamily="2" charset="-122"/>
             </a:endParaRPr>
           </a:p>
@@ -17767,9 +17766,9 @@
                 <a:solidFill>
                   <a:srgbClr val="000000"/>
                 </a:solidFill>
-                <a:latin typeface="Times New Roman" panose="02020603050405020304" pitchFamily="18" charset="0"/>
+                <a:latin typeface="Times New Roman" panose="02020503050405090304" pitchFamily="18" charset="0"/>
                 <a:ea typeface="字魂58号-创中黑" panose="00000500000000000000" pitchFamily="2" charset="-122"/>
-                <a:cs typeface="Times New Roman" panose="02020603050405020304" pitchFamily="18" charset="0"/>
+                <a:cs typeface="Times New Roman" panose="02020503050405090304" pitchFamily="18" charset="0"/>
                 <a:sym typeface="字魂58号-创中黑" panose="00000500000000000000" pitchFamily="2" charset="-122"/>
               </a:rPr>
               <a:t>Frontend &amp; Testing</a:t>
@@ -17778,9 +17777,9 @@
               <a:solidFill>
                 <a:srgbClr val="000000"/>
               </a:solidFill>
-              <a:latin typeface="Times New Roman" panose="02020603050405020304" pitchFamily="18" charset="0"/>
+              <a:latin typeface="Times New Roman" panose="02020503050405090304" pitchFamily="18" charset="0"/>
               <a:ea typeface="字魂58号-创中黑" panose="00000500000000000000" pitchFamily="2" charset="-122"/>
-              <a:cs typeface="Times New Roman" panose="02020603050405020304" pitchFamily="18" charset="0"/>
+              <a:cs typeface="Times New Roman" panose="02020503050405090304" pitchFamily="18" charset="0"/>
               <a:sym typeface="字魂58号-创中黑" panose="00000500000000000000" pitchFamily="2" charset="-122"/>
             </a:endParaRPr>
           </a:p>
@@ -17853,7 +17852,7 @@
               <a:spcBef>
                 <a:spcPct val="20000"/>
               </a:spcBef>
-              <a:buFont typeface="Arial" panose="020B0604020202020204" pitchFamily="34" charset="0"/>
+              <a:buFont typeface="Arial" panose="020B0604020202090204" pitchFamily="34" charset="0"/>
               <a:buChar char="•"/>
               <a:defRPr sz="1400" kern="1200">
                 <a:solidFill>
@@ -17870,7 +17869,7 @@
               <a:spcBef>
                 <a:spcPct val="20000"/>
               </a:spcBef>
-              <a:buFont typeface="Arial" panose="020B0604020202020204" pitchFamily="34" charset="0"/>
+              <a:buFont typeface="Arial" panose="020B0604020202090204" pitchFamily="34" charset="0"/>
               <a:buChar char="–"/>
               <a:defRPr sz="1200" kern="1200">
                 <a:solidFill>
@@ -17887,7 +17886,7 @@
               <a:spcBef>
                 <a:spcPct val="20000"/>
               </a:spcBef>
-              <a:buFont typeface="Arial" panose="020B0604020202020204" pitchFamily="34" charset="0"/>
+              <a:buFont typeface="Arial" panose="020B0604020202090204" pitchFamily="34" charset="0"/>
               <a:buChar char="•"/>
               <a:defRPr sz="1100" kern="1200">
                 <a:solidFill>
@@ -17904,7 +17903,7 @@
               <a:spcBef>
                 <a:spcPct val="20000"/>
               </a:spcBef>
-              <a:buFont typeface="Arial" panose="020B0604020202020204" pitchFamily="34" charset="0"/>
+              <a:buFont typeface="Arial" panose="020B0604020202090204" pitchFamily="34" charset="0"/>
               <a:buChar char="–"/>
               <a:defRPr sz="1050" kern="1200">
                 <a:solidFill>
@@ -17921,7 +17920,7 @@
               <a:spcBef>
                 <a:spcPct val="20000"/>
               </a:spcBef>
-              <a:buFont typeface="Arial" panose="020B0604020202020204" pitchFamily="34" charset="0"/>
+              <a:buFont typeface="Arial" panose="020B0604020202090204" pitchFamily="34" charset="0"/>
               <a:buChar char="»"/>
               <a:defRPr sz="1050" kern="1200">
                 <a:solidFill>
@@ -17938,7 +17937,7 @@
               <a:spcBef>
                 <a:spcPct val="20000"/>
               </a:spcBef>
-              <a:buFont typeface="Arial" panose="020B0604020202020204" pitchFamily="34" charset="0"/>
+              <a:buFont typeface="Arial" panose="020B0604020202090204" pitchFamily="34" charset="0"/>
               <a:buChar char="•"/>
               <a:defRPr sz="2000" kern="1200">
                 <a:solidFill>
@@ -17953,7 +17952,7 @@
               <a:spcBef>
                 <a:spcPct val="20000"/>
               </a:spcBef>
-              <a:buFont typeface="Arial" panose="020B0604020202020204" pitchFamily="34" charset="0"/>
+              <a:buFont typeface="Arial" panose="020B0604020202090204" pitchFamily="34" charset="0"/>
               <a:buChar char="•"/>
               <a:defRPr sz="2000" kern="1200">
                 <a:solidFill>
@@ -17968,7 +17967,7 @@
               <a:spcBef>
                 <a:spcPct val="20000"/>
               </a:spcBef>
-              <a:buFont typeface="Arial" panose="020B0604020202020204" pitchFamily="34" charset="0"/>
+              <a:buFont typeface="Arial" panose="020B0604020202090204" pitchFamily="34" charset="0"/>
               <a:buChar char="•"/>
               <a:defRPr sz="2000" kern="1200">
                 <a:solidFill>
@@ -17983,7 +17982,7 @@
               <a:spcBef>
                 <a:spcPct val="20000"/>
               </a:spcBef>
-              <a:buFont typeface="Arial" panose="020B0604020202020204" pitchFamily="34" charset="0"/>
+              <a:buFont typeface="Arial" panose="020B0604020202090204" pitchFamily="34" charset="0"/>
               <a:buChar char="•"/>
               <a:defRPr sz="2000" kern="1200">
                 <a:solidFill>
@@ -18010,9 +18009,9 @@
                 <a:solidFill>
                   <a:srgbClr val="000000"/>
                 </a:solidFill>
-                <a:latin typeface="Times New Roman" panose="02020603050405020304" pitchFamily="18" charset="0"/>
+                <a:latin typeface="Times New Roman" panose="02020503050405090304" pitchFamily="18" charset="0"/>
                 <a:ea typeface="字魂58号-创中黑" panose="00000500000000000000" pitchFamily="2" charset="-122"/>
-                <a:cs typeface="Times New Roman" panose="02020603050405020304" pitchFamily="18" charset="0"/>
+                <a:cs typeface="Times New Roman" panose="02020503050405090304" pitchFamily="18" charset="0"/>
                 <a:sym typeface="字魂58号-创中黑" panose="00000500000000000000" pitchFamily="2" charset="-122"/>
               </a:rPr>
               <a:t>Goal</a:t>
@@ -18021,9 +18020,9 @@
               <a:solidFill>
                 <a:srgbClr val="000000"/>
               </a:solidFill>
-              <a:latin typeface="Times New Roman" panose="02020603050405020304" pitchFamily="18" charset="0"/>
+              <a:latin typeface="Times New Roman" panose="02020503050405090304" pitchFamily="18" charset="0"/>
               <a:ea typeface="字魂58号-创中黑" panose="00000500000000000000" pitchFamily="2" charset="-122"/>
-              <a:cs typeface="Times New Roman" panose="02020603050405020304" pitchFamily="18" charset="0"/>
+              <a:cs typeface="Times New Roman" panose="02020503050405090304" pitchFamily="18" charset="0"/>
               <a:sym typeface="字魂58号-创中黑" panose="00000500000000000000" pitchFamily="2" charset="-122"/>
             </a:endParaRPr>
           </a:p>
@@ -18042,9 +18041,9 @@
                 <a:solidFill>
                   <a:srgbClr val="000000"/>
                 </a:solidFill>
-                <a:latin typeface="Times New Roman" panose="02020603050405020304" pitchFamily="18" charset="0"/>
+                <a:latin typeface="Times New Roman" panose="02020503050405090304" pitchFamily="18" charset="0"/>
                 <a:ea typeface="字魂58号-创中黑" panose="00000500000000000000" pitchFamily="2" charset="-122"/>
-                <a:cs typeface="Times New Roman" panose="02020603050405020304" pitchFamily="18" charset="0"/>
+                <a:cs typeface="Times New Roman" panose="02020503050405090304" pitchFamily="18" charset="0"/>
                 <a:sym typeface="字魂58号-创中黑" panose="00000500000000000000" pitchFamily="2" charset="-122"/>
               </a:rPr>
               <a:t>Develop a financial portfolio management web app.</a:t>
@@ -18053,9 +18052,9 @@
               <a:solidFill>
                 <a:srgbClr val="000000"/>
               </a:solidFill>
-              <a:latin typeface="Times New Roman" panose="02020603050405020304" pitchFamily="18" charset="0"/>
+              <a:latin typeface="Times New Roman" panose="02020503050405090304" pitchFamily="18" charset="0"/>
               <a:ea typeface="字魂58号-创中黑" panose="00000500000000000000" pitchFamily="2" charset="-122"/>
-              <a:cs typeface="Times New Roman" panose="02020603050405020304" pitchFamily="18" charset="0"/>
+              <a:cs typeface="Times New Roman" panose="02020503050405090304" pitchFamily="18" charset="0"/>
               <a:sym typeface="字魂58号-创中黑" panose="00000500000000000000" pitchFamily="2" charset="-122"/>
             </a:endParaRPr>
           </a:p>
@@ -18074,9 +18073,9 @@
                 <a:solidFill>
                   <a:srgbClr val="000000"/>
                 </a:solidFill>
-                <a:latin typeface="Times New Roman" panose="02020603050405020304" pitchFamily="18" charset="0"/>
+                <a:latin typeface="Times New Roman" panose="02020503050405090304" pitchFamily="18" charset="0"/>
                 <a:ea typeface="字魂58号-创中黑" panose="00000500000000000000" pitchFamily="2" charset="-122"/>
-                <a:cs typeface="Times New Roman" panose="02020603050405020304" pitchFamily="18" charset="0"/>
+                <a:cs typeface="Times New Roman" panose="02020503050405090304" pitchFamily="18" charset="0"/>
                 <a:sym typeface="字魂58号-创中黑" panose="00000500000000000000" pitchFamily="2" charset="-122"/>
               </a:rPr>
               <a:t>▶</a:t>
@@ -18086,9 +18085,9 @@
                 <a:solidFill>
                   <a:srgbClr val="000000"/>
                 </a:solidFill>
-                <a:latin typeface="Times New Roman" panose="02020603050405020304" pitchFamily="18" charset="0"/>
+                <a:latin typeface="Times New Roman" panose="02020503050405090304" pitchFamily="18" charset="0"/>
                 <a:ea typeface="字魂58号-创中黑" panose="00000500000000000000" pitchFamily="2" charset="-122"/>
-                <a:cs typeface="Times New Roman" panose="02020603050405020304" pitchFamily="18" charset="0"/>
+                <a:cs typeface="Times New Roman" panose="02020503050405090304" pitchFamily="18" charset="0"/>
                 <a:sym typeface="字魂58号-创中黑" panose="00000500000000000000" pitchFamily="2" charset="-122"/>
               </a:rPr>
               <a:t> Manage stocks and bonds portfolios.</a:t>
@@ -18097,9 +18096,9 @@
               <a:solidFill>
                 <a:srgbClr val="000000"/>
               </a:solidFill>
-              <a:latin typeface="Times New Roman" panose="02020603050405020304" pitchFamily="18" charset="0"/>
+              <a:latin typeface="Times New Roman" panose="02020503050405090304" pitchFamily="18" charset="0"/>
               <a:ea typeface="字魂58号-创中黑" panose="00000500000000000000" pitchFamily="2" charset="-122"/>
-              <a:cs typeface="Times New Roman" panose="02020603050405020304" pitchFamily="18" charset="0"/>
+              <a:cs typeface="Times New Roman" panose="02020503050405090304" pitchFamily="18" charset="0"/>
               <a:sym typeface="字魂58号-创中黑" panose="00000500000000000000" pitchFamily="2" charset="-122"/>
             </a:endParaRPr>
           </a:p>
@@ -18118,9 +18117,9 @@
                 <a:solidFill>
                   <a:srgbClr val="000000"/>
                 </a:solidFill>
-                <a:latin typeface="Times New Roman" panose="02020603050405020304" pitchFamily="18" charset="0"/>
+                <a:latin typeface="Times New Roman" panose="02020503050405090304" pitchFamily="18" charset="0"/>
                 <a:ea typeface="字魂58号-创中黑" panose="00000500000000000000" pitchFamily="2" charset="-122"/>
-                <a:cs typeface="Times New Roman" panose="02020603050405020304" pitchFamily="18" charset="0"/>
+                <a:cs typeface="Times New Roman" panose="02020503050405090304" pitchFamily="18" charset="0"/>
                 <a:sym typeface="字魂58号-创中黑" panose="00000500000000000000" pitchFamily="2" charset="-122"/>
               </a:rPr>
               <a:t>▶</a:t>
@@ -18130,9 +18129,9 @@
                 <a:solidFill>
                   <a:srgbClr val="000000"/>
                 </a:solidFill>
-                <a:latin typeface="Times New Roman" panose="02020603050405020304" pitchFamily="18" charset="0"/>
+                <a:latin typeface="Times New Roman" panose="02020503050405090304" pitchFamily="18" charset="0"/>
                 <a:ea typeface="字魂58号-创中黑" panose="00000500000000000000" pitchFamily="2" charset="-122"/>
-                <a:cs typeface="Times New Roman" panose="02020603050405020304" pitchFamily="18" charset="0"/>
+                <a:cs typeface="Times New Roman" panose="02020503050405090304" pitchFamily="18" charset="0"/>
                 <a:sym typeface="字魂58号-创中黑" panose="00000500000000000000" pitchFamily="2" charset="-122"/>
               </a:rPr>
               <a:t> RESTful API backend; responsive web frontend.</a:t>
@@ -18141,9 +18140,9 @@
               <a:solidFill>
                 <a:srgbClr val="000000"/>
               </a:solidFill>
-              <a:latin typeface="Times New Roman" panose="02020603050405020304" pitchFamily="18" charset="0"/>
+              <a:latin typeface="Times New Roman" panose="02020503050405090304" pitchFamily="18" charset="0"/>
               <a:ea typeface="字魂58号-创中黑" panose="00000500000000000000" pitchFamily="2" charset="-122"/>
-              <a:cs typeface="Times New Roman" panose="02020603050405020304" pitchFamily="18" charset="0"/>
+              <a:cs typeface="Times New Roman" panose="02020503050405090304" pitchFamily="18" charset="0"/>
               <a:sym typeface="字魂58号-创中黑" panose="00000500000000000000" pitchFamily="2" charset="-122"/>
             </a:endParaRPr>
           </a:p>
@@ -18162,9 +18161,9 @@
                 <a:solidFill>
                   <a:srgbClr val="000000"/>
                 </a:solidFill>
-                <a:latin typeface="Times New Roman" panose="02020603050405020304" pitchFamily="18" charset="0"/>
+                <a:latin typeface="Times New Roman" panose="02020503050405090304" pitchFamily="18" charset="0"/>
                 <a:ea typeface="字魂58号-创中黑" panose="00000500000000000000" pitchFamily="2" charset="-122"/>
-                <a:cs typeface="Times New Roman" panose="02020603050405020304" pitchFamily="18" charset="0"/>
+                <a:cs typeface="Times New Roman" panose="02020503050405090304" pitchFamily="18" charset="0"/>
                 <a:sym typeface="字魂58号-创中黑" panose="00000500000000000000" pitchFamily="2" charset="-122"/>
               </a:rPr>
               <a:t>▶</a:t>
@@ -18174,9 +18173,9 @@
                 <a:solidFill>
                   <a:srgbClr val="000000"/>
                 </a:solidFill>
-                <a:latin typeface="Times New Roman" panose="02020603050405020304" pitchFamily="18" charset="0"/>
+                <a:latin typeface="Times New Roman" panose="02020503050405090304" pitchFamily="18" charset="0"/>
                 <a:ea typeface="字魂58号-创中黑" panose="00000500000000000000" pitchFamily="2" charset="-122"/>
-                <a:cs typeface="Times New Roman" panose="02020603050405020304" pitchFamily="18" charset="0"/>
+                <a:cs typeface="Times New Roman" panose="02020503050405090304" pitchFamily="18" charset="0"/>
                 <a:sym typeface="字魂58号-创中黑" panose="00000500000000000000" pitchFamily="2" charset="-122"/>
               </a:rPr>
               <a:t> Real-time asset tracking, trade simulation, interactive charts.</a:t>
@@ -18185,9 +18184,9 @@
               <a:solidFill>
                 <a:srgbClr val="000000"/>
               </a:solidFill>
-              <a:latin typeface="Times New Roman" panose="02020603050405020304" pitchFamily="18" charset="0"/>
+              <a:latin typeface="Times New Roman" panose="02020503050405090304" pitchFamily="18" charset="0"/>
               <a:ea typeface="字魂58号-创中黑" panose="00000500000000000000" pitchFamily="2" charset="-122"/>
-              <a:cs typeface="Times New Roman" panose="02020603050405020304" pitchFamily="18" charset="0"/>
+              <a:cs typeface="Times New Roman" panose="02020503050405090304" pitchFamily="18" charset="0"/>
               <a:sym typeface="字魂58号-创中黑" panose="00000500000000000000" pitchFamily="2" charset="-122"/>
             </a:endParaRPr>
           </a:p>
@@ -18291,17 +18290,17 @@
             <a:pPr algn="ctr"/>
             <a:r>
               <a:rPr lang="en-US" altLang="zh-CN" sz="3200" dirty="0">
-                <a:latin typeface="Times New Roman" panose="02020603050405020304" pitchFamily="18" charset="0"/>
+                <a:latin typeface="Times New Roman" panose="02020503050405090304" pitchFamily="18" charset="0"/>
                 <a:ea typeface="字魂58号-创中黑" panose="00000500000000000000" pitchFamily="2" charset="-122"/>
-                <a:cs typeface="Times New Roman" panose="02020603050405020304" pitchFamily="18" charset="0"/>
+                <a:cs typeface="Times New Roman" panose="02020503050405090304" pitchFamily="18" charset="0"/>
                 <a:sym typeface="字魂58号-创中黑" panose="00000500000000000000" pitchFamily="2" charset="-122"/>
               </a:rPr>
               <a:t>Project Introduction</a:t>
             </a:r>
             <a:endParaRPr lang="en-US" altLang="zh-CN" sz="3200" dirty="0">
-              <a:latin typeface="Times New Roman" panose="02020603050405020304" pitchFamily="18" charset="0"/>
+              <a:latin typeface="Times New Roman" panose="02020503050405090304" pitchFamily="18" charset="0"/>
               <a:ea typeface="字魂58号-创中黑" panose="00000500000000000000" pitchFamily="2" charset="-122"/>
-              <a:cs typeface="Times New Roman" panose="02020603050405020304" pitchFamily="18" charset="0"/>
+              <a:cs typeface="Times New Roman" panose="02020503050405090304" pitchFamily="18" charset="0"/>
               <a:sym typeface="字魂58号-创中黑" panose="00000500000000000000" pitchFamily="2" charset="-122"/>
             </a:endParaRPr>
           </a:p>
@@ -18331,6 +18330,56 @@
           </a:prstGeom>
         </p:spPr>
       </p:pic>
+      <p:sp>
+        <p:nvSpPr>
+          <p:cNvPr id="2" name="五角星 1"/>
+          <p:cNvSpPr/>
+          <p:nvPr/>
+        </p:nvSpPr>
+        <p:spPr>
+          <a:xfrm>
+            <a:off x="8239760" y="4584065"/>
+            <a:ext cx="504000" cy="468000"/>
+          </a:xfrm>
+          <a:prstGeom prst="star5">
+            <a:avLst/>
+          </a:prstGeom>
+          <a:solidFill>
+            <a:schemeClr val="accent4">
+              <a:lumMod val="60000"/>
+              <a:lumOff val="40000"/>
+            </a:schemeClr>
+          </a:solidFill>
+          <a:ln w="12700" cap="flat" cmpd="sng">
+            <a:noFill/>
+            <a:prstDash val="solid"/>
+            <a:miter lim="800000"/>
+          </a:ln>
+        </p:spPr>
+        <p:style>
+          <a:lnRef idx="2">
+            <a:schemeClr val="accent1">
+              <a:lumMod val="75000"/>
+            </a:schemeClr>
+          </a:lnRef>
+          <a:fillRef idx="1">
+            <a:schemeClr val="accent1"/>
+          </a:fillRef>
+          <a:effectRef idx="0">
+            <a:srgbClr val="FFFFFF"/>
+          </a:effectRef>
+          <a:fontRef idx="minor">
+            <a:schemeClr val="lt1"/>
+          </a:fontRef>
+        </p:style>
+        <p:txBody>
+          <a:bodyPr rtlCol="0" anchor="ctr"/>
+          <a:p>
+            <a:pPr algn="ctr"/>
+            <a:endParaRPr lang="zh-CN" altLang="en-US"/>
+          </a:p>
+        </p:txBody>
+      </p:sp>
     </p:spTree>
   </p:cSld>
   <p:clrMapOvr>
@@ -18398,7 +18447,7 @@
               <a:spcBef>
                 <a:spcPct val="20000"/>
               </a:spcBef>
-              <a:buFont typeface="Arial" panose="020B0604020202020204" pitchFamily="34" charset="0"/>
+              <a:buFont typeface="Arial" panose="020B0604020202090204" pitchFamily="34" charset="0"/>
               <a:buChar char="•"/>
               <a:defRPr sz="1400" kern="1200">
                 <a:solidFill>
@@ -18415,7 +18464,7 @@
               <a:spcBef>
                 <a:spcPct val="20000"/>
               </a:spcBef>
-              <a:buFont typeface="Arial" panose="020B0604020202020204" pitchFamily="34" charset="0"/>
+              <a:buFont typeface="Arial" panose="020B0604020202090204" pitchFamily="34" charset="0"/>
               <a:buChar char="–"/>
               <a:defRPr sz="1200" kern="1200">
                 <a:solidFill>
@@ -18432,7 +18481,7 @@
               <a:spcBef>
                 <a:spcPct val="20000"/>
               </a:spcBef>
-              <a:buFont typeface="Arial" panose="020B0604020202020204" pitchFamily="34" charset="0"/>
+              <a:buFont typeface="Arial" panose="020B0604020202090204" pitchFamily="34" charset="0"/>
               <a:buChar char="•"/>
               <a:defRPr sz="1100" kern="1200">
                 <a:solidFill>
@@ -18449,7 +18498,7 @@
               <a:spcBef>
                 <a:spcPct val="20000"/>
               </a:spcBef>
-              <a:buFont typeface="Arial" panose="020B0604020202020204" pitchFamily="34" charset="0"/>
+              <a:buFont typeface="Arial" panose="020B0604020202090204" pitchFamily="34" charset="0"/>
               <a:buChar char="–"/>
               <a:defRPr sz="1050" kern="1200">
                 <a:solidFill>
@@ -18466,7 +18515,7 @@
               <a:spcBef>
                 <a:spcPct val="20000"/>
               </a:spcBef>
-              <a:buFont typeface="Arial" panose="020B0604020202020204" pitchFamily="34" charset="0"/>
+              <a:buFont typeface="Arial" panose="020B0604020202090204" pitchFamily="34" charset="0"/>
               <a:buChar char="»"/>
               <a:defRPr sz="1050" kern="1200">
                 <a:solidFill>
@@ -18483,7 +18532,7 @@
               <a:spcBef>
                 <a:spcPct val="20000"/>
               </a:spcBef>
-              <a:buFont typeface="Arial" panose="020B0604020202020204" pitchFamily="34" charset="0"/>
+              <a:buFont typeface="Arial" panose="020B0604020202090204" pitchFamily="34" charset="0"/>
               <a:buChar char="•"/>
               <a:defRPr sz="2000" kern="1200">
                 <a:solidFill>
@@ -18498,7 +18547,7 @@
               <a:spcBef>
                 <a:spcPct val="20000"/>
               </a:spcBef>
-              <a:buFont typeface="Arial" panose="020B0604020202020204" pitchFamily="34" charset="0"/>
+              <a:buFont typeface="Arial" panose="020B0604020202090204" pitchFamily="34" charset="0"/>
               <a:buChar char="•"/>
               <a:defRPr sz="2000" kern="1200">
                 <a:solidFill>
@@ -18513,7 +18562,7 @@
               <a:spcBef>
                 <a:spcPct val="20000"/>
               </a:spcBef>
-              <a:buFont typeface="Arial" panose="020B0604020202020204" pitchFamily="34" charset="0"/>
+              <a:buFont typeface="Arial" panose="020B0604020202090204" pitchFamily="34" charset="0"/>
               <a:buChar char="•"/>
               <a:defRPr sz="2000" kern="1200">
                 <a:solidFill>
@@ -18528,7 +18577,7 @@
               <a:spcBef>
                 <a:spcPct val="20000"/>
               </a:spcBef>
-              <a:buFont typeface="Arial" panose="020B0604020202020204" pitchFamily="34" charset="0"/>
+              <a:buFont typeface="Arial" panose="020B0604020202090204" pitchFamily="34" charset="0"/>
               <a:buChar char="•"/>
               <a:defRPr sz="2000" kern="1200">
                 <a:solidFill>
@@ -18555,9 +18604,9 @@
                 <a:solidFill>
                   <a:srgbClr val="000000"/>
                 </a:solidFill>
-                <a:latin typeface="Times New Roman" panose="02020603050405020304" pitchFamily="18" charset="0"/>
+                <a:latin typeface="Times New Roman" panose="02020503050405090304" pitchFamily="18" charset="0"/>
                 <a:ea typeface="字魂58号-创中黑" panose="00000500000000000000" pitchFamily="2" charset="-122"/>
-                <a:cs typeface="Times New Roman" panose="02020603050405020304" pitchFamily="18" charset="0"/>
+                <a:cs typeface="Times New Roman" panose="02020503050405090304" pitchFamily="18" charset="0"/>
                 <a:sym typeface="字魂58号-创中黑" panose="00000500000000000000" pitchFamily="2" charset="-122"/>
               </a:rPr>
               <a:t>1. Frontend: HTML/CSS/JS interface.</a:t>
@@ -18566,9 +18615,9 @@
               <a:solidFill>
                 <a:srgbClr val="000000"/>
               </a:solidFill>
-              <a:latin typeface="Times New Roman" panose="02020603050405020304" pitchFamily="18" charset="0"/>
+              <a:latin typeface="Times New Roman" panose="02020503050405090304" pitchFamily="18" charset="0"/>
               <a:ea typeface="字魂58号-创中黑" panose="00000500000000000000" pitchFamily="2" charset="-122"/>
-              <a:cs typeface="Times New Roman" panose="02020603050405020304" pitchFamily="18" charset="0"/>
+              <a:cs typeface="Times New Roman" panose="02020503050405090304" pitchFamily="18" charset="0"/>
               <a:sym typeface="字魂58号-创中黑" panose="00000500000000000000" pitchFamily="2" charset="-122"/>
             </a:endParaRPr>
           </a:p>
@@ -18587,9 +18636,9 @@
                 <a:solidFill>
                   <a:srgbClr val="000000"/>
                 </a:solidFill>
-                <a:latin typeface="Times New Roman" panose="02020603050405020304" pitchFamily="18" charset="0"/>
+                <a:latin typeface="Times New Roman" panose="02020503050405090304" pitchFamily="18" charset="0"/>
                 <a:ea typeface="字魂58号-创中黑" panose="00000500000000000000" pitchFamily="2" charset="-122"/>
-                <a:cs typeface="Times New Roman" panose="02020603050405020304" pitchFamily="18" charset="0"/>
+                <a:cs typeface="Times New Roman" panose="02020503050405090304" pitchFamily="18" charset="0"/>
                 <a:sym typeface="字魂58号-创中黑" panose="00000500000000000000" pitchFamily="2" charset="-122"/>
               </a:rPr>
               <a:t>2. API Requests: Fetch API calls.</a:t>
@@ -18598,9 +18647,9 @@
               <a:solidFill>
                 <a:srgbClr val="000000"/>
               </a:solidFill>
-              <a:latin typeface="Times New Roman" panose="02020603050405020304" pitchFamily="18" charset="0"/>
+              <a:latin typeface="Times New Roman" panose="02020503050405090304" pitchFamily="18" charset="0"/>
               <a:ea typeface="字魂58号-创中黑" panose="00000500000000000000" pitchFamily="2" charset="-122"/>
-              <a:cs typeface="Times New Roman" panose="02020603050405020304" pitchFamily="18" charset="0"/>
+              <a:cs typeface="Times New Roman" panose="02020503050405090304" pitchFamily="18" charset="0"/>
               <a:sym typeface="字魂58号-创中黑" panose="00000500000000000000" pitchFamily="2" charset="-122"/>
             </a:endParaRPr>
           </a:p>
@@ -18619,9 +18668,9 @@
                 <a:solidFill>
                   <a:srgbClr val="000000"/>
                 </a:solidFill>
-                <a:latin typeface="Times New Roman" panose="02020603050405020304" pitchFamily="18" charset="0"/>
+                <a:latin typeface="Times New Roman" panose="02020503050405090304" pitchFamily="18" charset="0"/>
                 <a:ea typeface="字魂58号-创中黑" panose="00000500000000000000" pitchFamily="2" charset="-122"/>
-                <a:cs typeface="Times New Roman" panose="02020603050405020304" pitchFamily="18" charset="0"/>
+                <a:cs typeface="Times New Roman" panose="02020503050405090304" pitchFamily="18" charset="0"/>
                 <a:sym typeface="字魂58号-创中黑" panose="00000500000000000000" pitchFamily="2" charset="-122"/>
               </a:rPr>
               <a:t>3. Backend: Node.js (Express.js) processes requests.</a:t>
@@ -18630,9 +18679,9 @@
               <a:solidFill>
                 <a:srgbClr val="000000"/>
               </a:solidFill>
-              <a:latin typeface="Times New Roman" panose="02020603050405020304" pitchFamily="18" charset="0"/>
+              <a:latin typeface="Times New Roman" panose="02020503050405090304" pitchFamily="18" charset="0"/>
               <a:ea typeface="字魂58号-创中黑" panose="00000500000000000000" pitchFamily="2" charset="-122"/>
-              <a:cs typeface="Times New Roman" panose="02020603050405020304" pitchFamily="18" charset="0"/>
+              <a:cs typeface="Times New Roman" panose="02020503050405090304" pitchFamily="18" charset="0"/>
               <a:sym typeface="字魂58号-创中黑" panose="00000500000000000000" pitchFamily="2" charset="-122"/>
             </a:endParaRPr>
           </a:p>
@@ -18651,9 +18700,9 @@
                 <a:solidFill>
                   <a:srgbClr val="000000"/>
                 </a:solidFill>
-                <a:latin typeface="Times New Roman" panose="02020603050405020304" pitchFamily="18" charset="0"/>
+                <a:latin typeface="Times New Roman" panose="02020503050405090304" pitchFamily="18" charset="0"/>
                 <a:ea typeface="字魂58号-创中黑" panose="00000500000000000000" pitchFamily="2" charset="-122"/>
-                <a:cs typeface="Times New Roman" panose="02020603050405020304" pitchFamily="18" charset="0"/>
+                <a:cs typeface="Times New Roman" panose="02020503050405090304" pitchFamily="18" charset="0"/>
                 <a:sym typeface="字魂58号-创中黑" panose="00000500000000000000" pitchFamily="2" charset="-122"/>
               </a:rPr>
               <a:t>4. Database: MySQL CRUD operations.</a:t>
@@ -18662,9 +18711,9 @@
               <a:solidFill>
                 <a:srgbClr val="000000"/>
               </a:solidFill>
-              <a:latin typeface="Times New Roman" panose="02020603050405020304" pitchFamily="18" charset="0"/>
+              <a:latin typeface="Times New Roman" panose="02020503050405090304" pitchFamily="18" charset="0"/>
               <a:ea typeface="字魂58号-创中黑" panose="00000500000000000000" pitchFamily="2" charset="-122"/>
-              <a:cs typeface="Times New Roman" panose="02020603050405020304" pitchFamily="18" charset="0"/>
+              <a:cs typeface="Times New Roman" panose="02020503050405090304" pitchFamily="18" charset="0"/>
               <a:sym typeface="字魂58号-创中黑" panose="00000500000000000000" pitchFamily="2" charset="-122"/>
             </a:endParaRPr>
           </a:p>
@@ -18683,9 +18732,9 @@
                 <a:solidFill>
                   <a:srgbClr val="000000"/>
                 </a:solidFill>
-                <a:latin typeface="Times New Roman" panose="02020603050405020304" pitchFamily="18" charset="0"/>
+                <a:latin typeface="Times New Roman" panose="02020503050405090304" pitchFamily="18" charset="0"/>
                 <a:ea typeface="字魂58号-创中黑" panose="00000500000000000000" pitchFamily="2" charset="-122"/>
-                <a:cs typeface="Times New Roman" panose="02020603050405020304" pitchFamily="18" charset="0"/>
+                <a:cs typeface="Times New Roman" panose="02020503050405090304" pitchFamily="18" charset="0"/>
                 <a:sym typeface="字魂58号-创中黑" panose="00000500000000000000" pitchFamily="2" charset="-122"/>
               </a:rPr>
               <a:t>5. External Data: Yahoo Finance API integration.</a:t>
@@ -18694,9 +18743,9 @@
               <a:solidFill>
                 <a:srgbClr val="000000"/>
               </a:solidFill>
-              <a:latin typeface="Times New Roman" panose="02020603050405020304" pitchFamily="18" charset="0"/>
+              <a:latin typeface="Times New Roman" panose="02020503050405090304" pitchFamily="18" charset="0"/>
               <a:ea typeface="字魂58号-创中黑" panose="00000500000000000000" pitchFamily="2" charset="-122"/>
-              <a:cs typeface="Times New Roman" panose="02020603050405020304" pitchFamily="18" charset="0"/>
+              <a:cs typeface="Times New Roman" panose="02020503050405090304" pitchFamily="18" charset="0"/>
               <a:sym typeface="字魂58号-创中黑" panose="00000500000000000000" pitchFamily="2" charset="-122"/>
             </a:endParaRPr>
           </a:p>
@@ -18715,9 +18764,9 @@
                 <a:solidFill>
                   <a:srgbClr val="000000"/>
                 </a:solidFill>
-                <a:latin typeface="Times New Roman" panose="02020603050405020304" pitchFamily="18" charset="0"/>
+                <a:latin typeface="Times New Roman" panose="02020503050405090304" pitchFamily="18" charset="0"/>
                 <a:ea typeface="字魂58号-创中黑" panose="00000500000000000000" pitchFamily="2" charset="-122"/>
-                <a:cs typeface="Times New Roman" panose="02020603050405020304" pitchFamily="18" charset="0"/>
+                <a:cs typeface="Times New Roman" panose="02020503050405090304" pitchFamily="18" charset="0"/>
                 <a:sym typeface="字魂58号-创中黑" panose="00000500000000000000" pitchFamily="2" charset="-122"/>
               </a:rPr>
               <a:t>6. Response: JSON data updates UI dynamically.</a:t>
@@ -18726,9 +18775,9 @@
               <a:solidFill>
                 <a:srgbClr val="000000"/>
               </a:solidFill>
-              <a:latin typeface="Times New Roman" panose="02020603050405020304" pitchFamily="18" charset="0"/>
+              <a:latin typeface="Times New Roman" panose="02020503050405090304" pitchFamily="18" charset="0"/>
               <a:ea typeface="字魂58号-创中黑" panose="00000500000000000000" pitchFamily="2" charset="-122"/>
-              <a:cs typeface="Times New Roman" panose="02020603050405020304" pitchFamily="18" charset="0"/>
+              <a:cs typeface="Times New Roman" panose="02020503050405090304" pitchFamily="18" charset="0"/>
               <a:sym typeface="字魂58号-创中黑" panose="00000500000000000000" pitchFamily="2" charset="-122"/>
             </a:endParaRPr>
           </a:p>
@@ -18832,17 +18881,17 @@
             <a:pPr algn="ctr"/>
             <a:r>
               <a:rPr lang="en-US" altLang="zh-CN" sz="3200" dirty="0">
-                <a:latin typeface="Times New Roman" panose="02020603050405020304" pitchFamily="18" charset="0"/>
+                <a:latin typeface="Times New Roman" panose="02020503050405090304" pitchFamily="18" charset="0"/>
                 <a:ea typeface="字魂58号-创中黑" panose="00000500000000000000" pitchFamily="2" charset="-122"/>
-                <a:cs typeface="Times New Roman" panose="02020603050405020304" pitchFamily="18" charset="0"/>
+                <a:cs typeface="Times New Roman" panose="02020503050405090304" pitchFamily="18" charset="0"/>
                 <a:sym typeface="字魂58号-创中黑" panose="00000500000000000000" pitchFamily="2" charset="-122"/>
               </a:rPr>
               <a:t>System Flow</a:t>
             </a:r>
             <a:endParaRPr lang="en-US" altLang="zh-CN" sz="3200" dirty="0">
-              <a:latin typeface="Times New Roman" panose="02020603050405020304" pitchFamily="18" charset="0"/>
+              <a:latin typeface="Times New Roman" panose="02020503050405090304" pitchFamily="18" charset="0"/>
               <a:ea typeface="字魂58号-创中黑" panose="00000500000000000000" pitchFamily="2" charset="-122"/>
-              <a:cs typeface="Times New Roman" panose="02020603050405020304" pitchFamily="18" charset="0"/>
+              <a:cs typeface="Times New Roman" panose="02020503050405090304" pitchFamily="18" charset="0"/>
               <a:sym typeface="字魂58号-创中黑" panose="00000500000000000000" pitchFamily="2" charset="-122"/>
             </a:endParaRPr>
           </a:p>
@@ -19037,7 +19086,7 @@
               <a:spcBef>
                 <a:spcPct val="20000"/>
               </a:spcBef>
-              <a:buFont typeface="Arial" panose="020B0604020202020204" pitchFamily="34" charset="0"/>
+              <a:buFont typeface="Arial" panose="020B0604020202090204" pitchFamily="34" charset="0"/>
               <a:buChar char="•"/>
               <a:defRPr sz="1400" kern="1200">
                 <a:solidFill>
@@ -19054,7 +19103,7 @@
               <a:spcBef>
                 <a:spcPct val="20000"/>
               </a:spcBef>
-              <a:buFont typeface="Arial" panose="020B0604020202020204" pitchFamily="34" charset="0"/>
+              <a:buFont typeface="Arial" panose="020B0604020202090204" pitchFamily="34" charset="0"/>
               <a:buChar char="–"/>
               <a:defRPr sz="1200" kern="1200">
                 <a:solidFill>
@@ -19071,7 +19120,7 @@
               <a:spcBef>
                 <a:spcPct val="20000"/>
               </a:spcBef>
-              <a:buFont typeface="Arial" panose="020B0604020202020204" pitchFamily="34" charset="0"/>
+              <a:buFont typeface="Arial" panose="020B0604020202090204" pitchFamily="34" charset="0"/>
               <a:buChar char="•"/>
               <a:defRPr sz="1100" kern="1200">
                 <a:solidFill>
@@ -19088,7 +19137,7 @@
               <a:spcBef>
                 <a:spcPct val="20000"/>
               </a:spcBef>
-              <a:buFont typeface="Arial" panose="020B0604020202020204" pitchFamily="34" charset="0"/>
+              <a:buFont typeface="Arial" panose="020B0604020202090204" pitchFamily="34" charset="0"/>
               <a:buChar char="–"/>
               <a:defRPr sz="1050" kern="1200">
                 <a:solidFill>
@@ -19105,7 +19154,7 @@
               <a:spcBef>
                 <a:spcPct val="20000"/>
               </a:spcBef>
-              <a:buFont typeface="Arial" panose="020B0604020202020204" pitchFamily="34" charset="0"/>
+              <a:buFont typeface="Arial" panose="020B0604020202090204" pitchFamily="34" charset="0"/>
               <a:buChar char="»"/>
               <a:defRPr sz="1050" kern="1200">
                 <a:solidFill>
@@ -19122,7 +19171,7 @@
               <a:spcBef>
                 <a:spcPct val="20000"/>
               </a:spcBef>
-              <a:buFont typeface="Arial" panose="020B0604020202020204" pitchFamily="34" charset="0"/>
+              <a:buFont typeface="Arial" panose="020B0604020202090204" pitchFamily="34" charset="0"/>
               <a:buChar char="•"/>
               <a:defRPr sz="2000" kern="1200">
                 <a:solidFill>
@@ -19137,7 +19186,7 @@
               <a:spcBef>
                 <a:spcPct val="20000"/>
               </a:spcBef>
-              <a:buFont typeface="Arial" panose="020B0604020202020204" pitchFamily="34" charset="0"/>
+              <a:buFont typeface="Arial" panose="020B0604020202090204" pitchFamily="34" charset="0"/>
               <a:buChar char="•"/>
               <a:defRPr sz="2000" kern="1200">
                 <a:solidFill>
@@ -19152,7 +19201,7 @@
               <a:spcBef>
                 <a:spcPct val="20000"/>
               </a:spcBef>
-              <a:buFont typeface="Arial" panose="020B0604020202020204" pitchFamily="34" charset="0"/>
+              <a:buFont typeface="Arial" panose="020B0604020202090204" pitchFamily="34" charset="0"/>
               <a:buChar char="•"/>
               <a:defRPr sz="2000" kern="1200">
                 <a:solidFill>
@@ -19167,7 +19216,7 @@
               <a:spcBef>
                 <a:spcPct val="20000"/>
               </a:spcBef>
-              <a:buFont typeface="Arial" panose="020B0604020202020204" pitchFamily="34" charset="0"/>
+              <a:buFont typeface="Arial" panose="020B0604020202090204" pitchFamily="34" charset="0"/>
               <a:buChar char="•"/>
               <a:defRPr sz="2000" kern="1200">
                 <a:solidFill>
@@ -19194,9 +19243,9 @@
                 <a:solidFill>
                   <a:srgbClr val="000000"/>
                 </a:solidFill>
-                <a:latin typeface="Times New Roman" panose="02020603050405020304" pitchFamily="18" charset="0"/>
+                <a:latin typeface="Times New Roman" panose="02020503050405090304" pitchFamily="18" charset="0"/>
                 <a:ea typeface="字魂58号-创中黑" panose="00000500000000000000" pitchFamily="2" charset="-122"/>
-                <a:cs typeface="Times New Roman" panose="02020603050405020304" pitchFamily="18" charset="0"/>
+                <a:cs typeface="Times New Roman" panose="02020503050405090304" pitchFamily="18" charset="0"/>
                 <a:sym typeface="字魂58号-创中黑" panose="00000500000000000000" pitchFamily="2" charset="-122"/>
               </a:rPr>
               <a:t>Three-Tier Architecture</a:t>
@@ -19205,9 +19254,9 @@
               <a:solidFill>
                 <a:srgbClr val="000000"/>
               </a:solidFill>
-              <a:latin typeface="Times New Roman" panose="02020603050405020304" pitchFamily="18" charset="0"/>
+              <a:latin typeface="Times New Roman" panose="02020503050405090304" pitchFamily="18" charset="0"/>
               <a:ea typeface="字魂58号-创中黑" panose="00000500000000000000" pitchFamily="2" charset="-122"/>
-              <a:cs typeface="Times New Roman" panose="02020603050405020304" pitchFamily="18" charset="0"/>
+              <a:cs typeface="Times New Roman" panose="02020503050405090304" pitchFamily="18" charset="0"/>
               <a:sym typeface="字魂58号-创中黑" panose="00000500000000000000" pitchFamily="2" charset="-122"/>
             </a:endParaRPr>
           </a:p>
@@ -19226,9 +19275,9 @@
                 <a:solidFill>
                   <a:srgbClr val="000000"/>
                 </a:solidFill>
-                <a:latin typeface="Times New Roman" panose="02020603050405020304" pitchFamily="18" charset="0"/>
+                <a:latin typeface="Times New Roman" panose="02020503050405090304" pitchFamily="18" charset="0"/>
                 <a:ea typeface="字魂58号-创中黑" panose="00000500000000000000" pitchFamily="2" charset="-122"/>
-                <a:cs typeface="Times New Roman" panose="02020603050405020304" pitchFamily="18" charset="0"/>
+                <a:cs typeface="Times New Roman" panose="02020503050405090304" pitchFamily="18" charset="0"/>
                 <a:sym typeface="字魂58号-创中黑" panose="00000500000000000000" pitchFamily="2" charset="-122"/>
               </a:rPr>
               <a:t>▶</a:t>
@@ -19238,9 +19287,9 @@
                 <a:solidFill>
                   <a:srgbClr val="000000"/>
                 </a:solidFill>
-                <a:latin typeface="Times New Roman" panose="02020603050405020304" pitchFamily="18" charset="0"/>
+                <a:latin typeface="Times New Roman" panose="02020503050405090304" pitchFamily="18" charset="0"/>
                 <a:ea typeface="字魂58号-创中黑" panose="00000500000000000000" pitchFamily="2" charset="-122"/>
-                <a:cs typeface="Times New Roman" panose="02020603050405020304" pitchFamily="18" charset="0"/>
+                <a:cs typeface="Times New Roman" panose="02020503050405090304" pitchFamily="18" charset="0"/>
                 <a:sym typeface="字魂58号-创中黑" panose="00000500000000000000" pitchFamily="2" charset="-122"/>
               </a:rPr>
               <a:t> Presentation Layer: HTML/CSS/JavaScript</a:t>
@@ -19249,9 +19298,9 @@
               <a:solidFill>
                 <a:srgbClr val="000000"/>
               </a:solidFill>
-              <a:latin typeface="Times New Roman" panose="02020603050405020304" pitchFamily="18" charset="0"/>
+              <a:latin typeface="Times New Roman" panose="02020503050405090304" pitchFamily="18" charset="0"/>
               <a:ea typeface="字魂58号-创中黑" panose="00000500000000000000" pitchFamily="2" charset="-122"/>
-              <a:cs typeface="Times New Roman" panose="02020603050405020304" pitchFamily="18" charset="0"/>
+              <a:cs typeface="Times New Roman" panose="02020503050405090304" pitchFamily="18" charset="0"/>
               <a:sym typeface="字魂58号-创中黑" panose="00000500000000000000" pitchFamily="2" charset="-122"/>
             </a:endParaRPr>
           </a:p>
@@ -19270,9 +19319,9 @@
                 <a:solidFill>
                   <a:srgbClr val="000000"/>
                 </a:solidFill>
-                <a:latin typeface="Times New Roman" panose="02020603050405020304" pitchFamily="18" charset="0"/>
+                <a:latin typeface="Times New Roman" panose="02020503050405090304" pitchFamily="18" charset="0"/>
                 <a:ea typeface="字魂58号-创中黑" panose="00000500000000000000" pitchFamily="2" charset="-122"/>
-                <a:cs typeface="Times New Roman" panose="02020603050405020304" pitchFamily="18" charset="0"/>
+                <a:cs typeface="Times New Roman" panose="02020503050405090304" pitchFamily="18" charset="0"/>
                 <a:sym typeface="字魂58号-创中黑" panose="00000500000000000000" pitchFamily="2" charset="-122"/>
               </a:rPr>
               <a:t>▶</a:t>
@@ -19282,9 +19331,9 @@
                 <a:solidFill>
                   <a:srgbClr val="000000"/>
                 </a:solidFill>
-                <a:latin typeface="Times New Roman" panose="02020603050405020304" pitchFamily="18" charset="0"/>
+                <a:latin typeface="Times New Roman" panose="02020503050405090304" pitchFamily="18" charset="0"/>
                 <a:ea typeface="字魂58号-创中黑" panose="00000500000000000000" pitchFamily="2" charset="-122"/>
-                <a:cs typeface="Times New Roman" panose="02020603050405020304" pitchFamily="18" charset="0"/>
+                <a:cs typeface="Times New Roman" panose="02020503050405090304" pitchFamily="18" charset="0"/>
                 <a:sym typeface="字魂58号-创中黑" panose="00000500000000000000" pitchFamily="2" charset="-122"/>
               </a:rPr>
               <a:t> Application Layer: Node.js, Express.js, REST API</a:t>
@@ -19293,9 +19342,9 @@
               <a:solidFill>
                 <a:srgbClr val="000000"/>
               </a:solidFill>
-              <a:latin typeface="Times New Roman" panose="02020603050405020304" pitchFamily="18" charset="0"/>
+              <a:latin typeface="Times New Roman" panose="02020503050405090304" pitchFamily="18" charset="0"/>
               <a:ea typeface="字魂58号-创中黑" panose="00000500000000000000" pitchFamily="2" charset="-122"/>
-              <a:cs typeface="Times New Roman" panose="02020603050405020304" pitchFamily="18" charset="0"/>
+              <a:cs typeface="Times New Roman" panose="02020503050405090304" pitchFamily="18" charset="0"/>
               <a:sym typeface="字魂58号-创中黑" panose="00000500000000000000" pitchFamily="2" charset="-122"/>
             </a:endParaRPr>
           </a:p>
@@ -19314,9 +19363,9 @@
                 <a:solidFill>
                   <a:srgbClr val="000000"/>
                 </a:solidFill>
-                <a:latin typeface="Times New Roman" panose="02020603050405020304" pitchFamily="18" charset="0"/>
+                <a:latin typeface="Times New Roman" panose="02020503050405090304" pitchFamily="18" charset="0"/>
                 <a:ea typeface="字魂58号-创中黑" panose="00000500000000000000" pitchFamily="2" charset="-122"/>
-                <a:cs typeface="Times New Roman" panose="02020603050405020304" pitchFamily="18" charset="0"/>
+                <a:cs typeface="Times New Roman" panose="02020503050405090304" pitchFamily="18" charset="0"/>
                 <a:sym typeface="字魂58号-创中黑" panose="00000500000000000000" pitchFamily="2" charset="-122"/>
               </a:rPr>
               <a:t>▶</a:t>
@@ -19326,9 +19375,9 @@
                 <a:solidFill>
                   <a:srgbClr val="000000"/>
                 </a:solidFill>
-                <a:latin typeface="Times New Roman" panose="02020603050405020304" pitchFamily="18" charset="0"/>
+                <a:latin typeface="Times New Roman" panose="02020503050405090304" pitchFamily="18" charset="0"/>
                 <a:ea typeface="字魂58号-创中黑" panose="00000500000000000000" pitchFamily="2" charset="-122"/>
-                <a:cs typeface="Times New Roman" panose="02020603050405020304" pitchFamily="18" charset="0"/>
+                <a:cs typeface="Times New Roman" panose="02020503050405090304" pitchFamily="18" charset="0"/>
                 <a:sym typeface="字魂58号-创中黑" panose="00000500000000000000" pitchFamily="2" charset="-122"/>
               </a:rPr>
               <a:t> Data Layer: MySQL database</a:t>
@@ -19337,9 +19386,9 @@
               <a:solidFill>
                 <a:srgbClr val="000000"/>
               </a:solidFill>
-              <a:latin typeface="Times New Roman" panose="02020603050405020304" pitchFamily="18" charset="0"/>
+              <a:latin typeface="Times New Roman" panose="02020503050405090304" pitchFamily="18" charset="0"/>
               <a:ea typeface="字魂58号-创中黑" panose="00000500000000000000" pitchFamily="2" charset="-122"/>
-              <a:cs typeface="Times New Roman" panose="02020603050405020304" pitchFamily="18" charset="0"/>
+              <a:cs typeface="Times New Roman" panose="02020503050405090304" pitchFamily="18" charset="0"/>
               <a:sym typeface="字魂58号-创中黑" panose="00000500000000000000" pitchFamily="2" charset="-122"/>
             </a:endParaRPr>
           </a:p>
@@ -19445,17 +19494,17 @@
             <a:pPr algn="ctr"/>
             <a:r>
               <a:rPr lang="en-US" altLang="zh-CN" sz="3200" dirty="0">
-                <a:latin typeface="Times New Roman" panose="02020603050405020304" pitchFamily="18" charset="0"/>
+                <a:latin typeface="Times New Roman" panose="02020503050405090304" pitchFamily="18" charset="0"/>
                 <a:ea typeface="字魂58号-创中黑" panose="00000500000000000000" pitchFamily="2" charset="-122"/>
-                <a:cs typeface="Times New Roman" panose="02020603050405020304" pitchFamily="18" charset="0"/>
+                <a:cs typeface="Times New Roman" panose="02020503050405090304" pitchFamily="18" charset="0"/>
                 <a:sym typeface="字魂58号-创中黑" panose="00000500000000000000" pitchFamily="2" charset="-122"/>
               </a:rPr>
               <a:t>System Architecture</a:t>
             </a:r>
             <a:endParaRPr lang="en-US" altLang="zh-CN" sz="3200" dirty="0">
-              <a:latin typeface="Times New Roman" panose="02020603050405020304" pitchFamily="18" charset="0"/>
+              <a:latin typeface="Times New Roman" panose="02020503050405090304" pitchFamily="18" charset="0"/>
               <a:ea typeface="字魂58号-创中黑" panose="00000500000000000000" pitchFamily="2" charset="-122"/>
-              <a:cs typeface="Times New Roman" panose="02020603050405020304" pitchFamily="18" charset="0"/>
+              <a:cs typeface="Times New Roman" panose="02020503050405090304" pitchFamily="18" charset="0"/>
               <a:sym typeface="字魂58号-创中黑" panose="00000500000000000000" pitchFamily="2" charset="-122"/>
             </a:endParaRPr>
           </a:p>
@@ -19630,17 +19679,17 @@
             <a:pPr algn="ctr"/>
             <a:r>
               <a:rPr lang="en-US" altLang="zh-CN" sz="3200" dirty="0">
-                <a:latin typeface="Times New Roman" panose="02020603050405020304" pitchFamily="18" charset="0"/>
+                <a:latin typeface="Times New Roman" panose="02020503050405090304" pitchFamily="18" charset="0"/>
                 <a:ea typeface="字魂58号-创中黑" panose="00000500000000000000" pitchFamily="2" charset="-122"/>
-                <a:cs typeface="Times New Roman" panose="02020603050405020304" pitchFamily="18" charset="0"/>
+                <a:cs typeface="Times New Roman" panose="02020503050405090304" pitchFamily="18" charset="0"/>
                 <a:sym typeface="字魂58号-创中黑" panose="00000500000000000000" pitchFamily="2" charset="-122"/>
               </a:rPr>
               <a:t>Database Design</a:t>
             </a:r>
             <a:endParaRPr lang="en-US" altLang="zh-CN" sz="3200" dirty="0">
-              <a:latin typeface="Times New Roman" panose="02020603050405020304" pitchFamily="18" charset="0"/>
+              <a:latin typeface="Times New Roman" panose="02020503050405090304" pitchFamily="18" charset="0"/>
               <a:ea typeface="字魂58号-创中黑" panose="00000500000000000000" pitchFamily="2" charset="-122"/>
-              <a:cs typeface="Times New Roman" panose="02020603050405020304" pitchFamily="18" charset="0"/>
+              <a:cs typeface="Times New Roman" panose="02020503050405090304" pitchFamily="18" charset="0"/>
               <a:sym typeface="字魂58号-创中黑" panose="00000500000000000000" pitchFamily="2" charset="-122"/>
             </a:endParaRPr>
           </a:p>
@@ -19840,9 +19889,9 @@
                     <a:lumOff val="15000"/>
                   </a:schemeClr>
                 </a:solidFill>
-                <a:latin typeface="Times New Roman" panose="02020603050405020304" pitchFamily="18" charset="0"/>
+                <a:latin typeface="Times New Roman" panose="02020503050405090304" pitchFamily="18" charset="0"/>
                 <a:ea typeface="字魂58号-创中黑" panose="00000500000000000000" pitchFamily="2" charset="-122"/>
-                <a:cs typeface="Times New Roman" panose="02020603050405020304" pitchFamily="18" charset="0"/>
+                <a:cs typeface="Times New Roman" panose="02020503050405090304" pitchFamily="18" charset="0"/>
                 <a:sym typeface="字魂58号-创中黑" panose="00000500000000000000" pitchFamily="2" charset="-122"/>
               </a:rPr>
               <a:t>Dashboard Overview</a:t>
@@ -19854,9 +19903,9 @@
                   <a:lumOff val="15000"/>
                 </a:schemeClr>
               </a:solidFill>
-              <a:latin typeface="Times New Roman" panose="02020603050405020304" pitchFamily="18" charset="0"/>
+              <a:latin typeface="Times New Roman" panose="02020503050405090304" pitchFamily="18" charset="0"/>
               <a:ea typeface="字魂58号-创中黑" panose="00000500000000000000" pitchFamily="2" charset="-122"/>
-              <a:cs typeface="Times New Roman" panose="02020603050405020304" pitchFamily="18" charset="0"/>
+              <a:cs typeface="Times New Roman" panose="02020503050405090304" pitchFamily="18" charset="0"/>
               <a:sym typeface="字魂58号-创中黑" panose="00000500000000000000" pitchFamily="2" charset="-122"/>
             </a:endParaRPr>
           </a:p>
@@ -20554,9 +20603,9 @@
                     <a:lumOff val="15000"/>
                   </a:schemeClr>
                 </a:solidFill>
-                <a:latin typeface="Times New Roman" panose="02020603050405020304" pitchFamily="18" charset="0"/>
+                <a:latin typeface="Times New Roman" panose="02020503050405090304" pitchFamily="18" charset="0"/>
                 <a:ea typeface="字魂58号-创中黑" panose="00000500000000000000" pitchFamily="2" charset="-122"/>
-                <a:cs typeface="Times New Roman" panose="02020603050405020304" pitchFamily="18" charset="0"/>
+                <a:cs typeface="Times New Roman" panose="02020503050405090304" pitchFamily="18" charset="0"/>
                 <a:sym typeface="字魂58号-创中黑" panose="00000500000000000000" pitchFamily="2" charset="-122"/>
               </a:rPr>
               <a:t>Portfolio Detail View</a:t>
@@ -20568,9 +20617,9 @@
                   <a:lumOff val="15000"/>
                 </a:schemeClr>
               </a:solidFill>
-              <a:latin typeface="Times New Roman" panose="02020603050405020304" pitchFamily="18" charset="0"/>
+              <a:latin typeface="Times New Roman" panose="02020503050405090304" pitchFamily="18" charset="0"/>
               <a:ea typeface="字魂58号-创中黑" panose="00000500000000000000" pitchFamily="2" charset="-122"/>
-              <a:cs typeface="Times New Roman" panose="02020603050405020304" pitchFamily="18" charset="0"/>
+              <a:cs typeface="Times New Roman" panose="02020503050405090304" pitchFamily="18" charset="0"/>
               <a:sym typeface="字魂58号-创中黑" panose="00000500000000000000" pitchFamily="2" charset="-122"/>
             </a:endParaRPr>
           </a:p>
@@ -21830,9 +21879,9 @@
                     <a:lumOff val="15000"/>
                   </a:schemeClr>
                 </a:solidFill>
-                <a:latin typeface="Times New Roman" panose="02020603050405020304" pitchFamily="18" charset="0"/>
+                <a:latin typeface="Times New Roman" panose="02020503050405090304" pitchFamily="18" charset="0"/>
                 <a:ea typeface="字魂58号-创中黑" panose="00000500000000000000" pitchFamily="2" charset="-122"/>
-                <a:cs typeface="Times New Roman" panose="02020603050405020304" pitchFamily="18" charset="0"/>
+                <a:cs typeface="Times New Roman" panose="02020503050405090304" pitchFamily="18" charset="0"/>
                 <a:sym typeface="字魂58号-创中黑" panose="00000500000000000000" pitchFamily="2" charset="-122"/>
               </a:rPr>
               <a:t>Historical Chart</a:t>
@@ -21844,9 +21893,9 @@
                   <a:lumOff val="15000"/>
                 </a:schemeClr>
               </a:solidFill>
-              <a:latin typeface="Times New Roman" panose="02020603050405020304" pitchFamily="18" charset="0"/>
+              <a:latin typeface="Times New Roman" panose="02020503050405090304" pitchFamily="18" charset="0"/>
               <a:ea typeface="字魂58号-创中黑" panose="00000500000000000000" pitchFamily="2" charset="-122"/>
-              <a:cs typeface="Times New Roman" panose="02020603050405020304" pitchFamily="18" charset="0"/>
+              <a:cs typeface="Times New Roman" panose="02020503050405090304" pitchFamily="18" charset="0"/>
               <a:sym typeface="字魂58号-创中黑" panose="00000500000000000000" pitchFamily="2" charset="-122"/>
             </a:endParaRPr>
           </a:p>
@@ -22515,17 +22564,17 @@
             <a:pPr algn="ctr"/>
             <a:r>
               <a:rPr lang="en-US" altLang="zh-CN" sz="3200" dirty="0">
-                <a:latin typeface="Times New Roman" panose="02020603050405020304" pitchFamily="18" charset="0"/>
+                <a:latin typeface="Times New Roman" panose="02020503050405090304" pitchFamily="18" charset="0"/>
                 <a:ea typeface="字魂58号-创中黑" panose="00000500000000000000" pitchFamily="2" charset="-122"/>
-                <a:cs typeface="Times New Roman" panose="02020603050405020304" pitchFamily="18" charset="0"/>
+                <a:cs typeface="Times New Roman" panose="02020503050405090304" pitchFamily="18" charset="0"/>
                 <a:sym typeface="字魂58号-创中黑" panose="00000500000000000000" pitchFamily="2" charset="-122"/>
               </a:rPr>
               <a:t>Application Screenshots</a:t>
             </a:r>
             <a:endParaRPr lang="en-US" altLang="zh-CN" sz="3200" dirty="0">
-              <a:latin typeface="Times New Roman" panose="02020603050405020304" pitchFamily="18" charset="0"/>
+              <a:latin typeface="Times New Roman" panose="02020503050405090304" pitchFamily="18" charset="0"/>
               <a:ea typeface="字魂58号-创中黑" panose="00000500000000000000" pitchFamily="2" charset="-122"/>
-              <a:cs typeface="Times New Roman" panose="02020603050405020304" pitchFamily="18" charset="0"/>
+              <a:cs typeface="Times New Roman" panose="02020503050405090304" pitchFamily="18" charset="0"/>
               <a:sym typeface="字魂58号-创中黑" panose="00000500000000000000" pitchFamily="2" charset="-122"/>
             </a:endParaRPr>
           </a:p>
@@ -22757,9 +22806,9 @@
                     <a:lumOff val="15000"/>
                   </a:schemeClr>
                 </a:solidFill>
-                <a:latin typeface="Times New Roman" panose="02020603050405020304" pitchFamily="18" charset="0"/>
+                <a:latin typeface="Times New Roman" panose="02020503050405090304" pitchFamily="18" charset="0"/>
                 <a:ea typeface="字魂58号-创中黑" panose="00000500000000000000" pitchFamily="2" charset="-122"/>
-                <a:cs typeface="Times New Roman" panose="02020603050405020304" pitchFamily="18" charset="0"/>
+                <a:cs typeface="Times New Roman" panose="02020503050405090304" pitchFamily="18" charset="0"/>
                 <a:sym typeface="字魂58号-创中黑" panose="00000500000000000000" pitchFamily="2" charset="-122"/>
               </a:rPr>
               <a:t>Stock Market Page</a:t>
@@ -22771,9 +22820,9 @@
                   <a:lumOff val="15000"/>
                 </a:schemeClr>
               </a:solidFill>
-              <a:latin typeface="Times New Roman" panose="02020603050405020304" pitchFamily="18" charset="0"/>
+              <a:latin typeface="Times New Roman" panose="02020503050405090304" pitchFamily="18" charset="0"/>
               <a:ea typeface="字魂58号-创中黑" panose="00000500000000000000" pitchFamily="2" charset="-122"/>
-              <a:cs typeface="Times New Roman" panose="02020603050405020304" pitchFamily="18" charset="0"/>
+              <a:cs typeface="Times New Roman" panose="02020503050405090304" pitchFamily="18" charset="0"/>
               <a:sym typeface="字魂58号-创中黑" panose="00000500000000000000" pitchFamily="2" charset="-122"/>
             </a:endParaRPr>
           </a:p>
@@ -22921,9 +22970,9 @@
                   <a:solidFill>
                     <a:srgbClr val="FFFFFF"/>
                   </a:solidFill>
-                  <a:latin typeface="Times New Roman" panose="02020603050405020304" pitchFamily="18" charset="0"/>
+                  <a:latin typeface="Times New Roman" panose="02020503050405090304" pitchFamily="18" charset="0"/>
                   <a:ea typeface="字魂58号-创中黑" panose="00000500000000000000" pitchFamily="2" charset="-122"/>
-                  <a:cs typeface="Times New Roman" panose="02020603050405020304" pitchFamily="18" charset="0"/>
+                  <a:cs typeface="Times New Roman" panose="02020503050405090304" pitchFamily="18" charset="0"/>
                   <a:sym typeface="字魂58号-创中黑" panose="00000500000000000000" pitchFamily="2" charset="-122"/>
                 </a:rPr>
                 <a:t>Yahoo Finance API</a:t>
@@ -22932,9 +22981,9 @@
                 <a:solidFill>
                   <a:srgbClr val="FFFFFF"/>
                 </a:solidFill>
-                <a:latin typeface="Times New Roman" panose="02020603050405020304" pitchFamily="18" charset="0"/>
+                <a:latin typeface="Times New Roman" panose="02020503050405090304" pitchFamily="18" charset="0"/>
                 <a:ea typeface="字魂58号-创中黑" panose="00000500000000000000" pitchFamily="2" charset="-122"/>
-                <a:cs typeface="Times New Roman" panose="02020603050405020304" pitchFamily="18" charset="0"/>
+                <a:cs typeface="Times New Roman" panose="02020503050405090304" pitchFamily="18" charset="0"/>
                 <a:sym typeface="字魂58号-创中黑" panose="00000500000000000000" pitchFamily="2" charset="-122"/>
               </a:endParaRPr>
             </a:p>
@@ -22980,9 +23029,9 @@
                       <a:lumOff val="15000"/>
                     </a:schemeClr>
                   </a:solidFill>
-                  <a:latin typeface="Times New Roman" panose="02020603050405020304" pitchFamily="18" charset="0"/>
+                  <a:latin typeface="Times New Roman" panose="02020503050405090304" pitchFamily="18" charset="0"/>
                   <a:ea typeface="字魂58号-创中黑" panose="00000500000000000000" pitchFamily="2" charset="-122"/>
-                  <a:cs typeface="Times New Roman" panose="02020603050405020304" pitchFamily="18" charset="0"/>
+                  <a:cs typeface="Times New Roman" panose="02020503050405090304" pitchFamily="18" charset="0"/>
                   <a:sym typeface="字魂58号-创中黑" panose="00000500000000000000" pitchFamily="2" charset="-122"/>
                 </a:rPr>
                 <a:t>The Yahoo! API delivers global financial market data covering stocks, bonds, forex, and cryptocurrencies, including real-time quotes, historical data, and financial statements.</a:t>
@@ -22994,9 +23043,9 @@
                     <a:lumOff val="15000"/>
                   </a:schemeClr>
                 </a:solidFill>
-                <a:latin typeface="Times New Roman" panose="02020603050405020304" pitchFamily="18" charset="0"/>
+                <a:latin typeface="Times New Roman" panose="02020503050405090304" pitchFamily="18" charset="0"/>
                 <a:ea typeface="字魂58号-创中黑" panose="00000500000000000000" pitchFamily="2" charset="-122"/>
-                <a:cs typeface="Times New Roman" panose="02020603050405020304" pitchFamily="18" charset="0"/>
+                <a:cs typeface="Times New Roman" panose="02020503050405090304" pitchFamily="18" charset="0"/>
                 <a:sym typeface="字魂58号-创中黑" panose="00000500000000000000" pitchFamily="2" charset="-122"/>
               </a:endParaRPr>
             </a:p>
@@ -23103,26 +23152,26 @@
             <a:pPr algn="ctr"/>
             <a:r>
               <a:rPr lang="en-US" altLang="zh-CN" sz="3200" dirty="0">
-                <a:latin typeface="Times New Roman" panose="02020603050405020304" pitchFamily="18" charset="0"/>
+                <a:latin typeface="Times New Roman" panose="02020503050405090304" pitchFamily="18" charset="0"/>
                 <a:ea typeface="字魂58号-创中黑" panose="00000500000000000000" pitchFamily="2" charset="-122"/>
-                <a:cs typeface="Times New Roman" panose="02020603050405020304" pitchFamily="18" charset="0"/>
+                <a:cs typeface="Times New Roman" panose="02020503050405090304" pitchFamily="18" charset="0"/>
                 <a:sym typeface="字魂58号-创中黑" panose="00000500000000000000" pitchFamily="2" charset="-122"/>
               </a:rPr>
               <a:t>Call The External </a:t>
             </a:r>
             <a:r>
               <a:rPr lang="en-US" altLang="zh-CN" sz="3200" dirty="0">
-                <a:latin typeface="Times New Roman" panose="02020603050405020304" pitchFamily="18" charset="0"/>
+                <a:latin typeface="Times New Roman" panose="02020503050405090304" pitchFamily="18" charset="0"/>
                 <a:ea typeface="字魂58号-创中黑" panose="00000500000000000000" pitchFamily="2" charset="-122"/>
-                <a:cs typeface="Times New Roman" panose="02020603050405020304" pitchFamily="18" charset="0"/>
+                <a:cs typeface="Times New Roman" panose="02020503050405090304" pitchFamily="18" charset="0"/>
                 <a:sym typeface="字魂58号-创中黑" panose="00000500000000000000" pitchFamily="2" charset="-122"/>
               </a:rPr>
               <a:t>API</a:t>
             </a:r>
             <a:endParaRPr lang="en-US" altLang="zh-CN" sz="3200" dirty="0">
-              <a:latin typeface="Times New Roman" panose="02020603050405020304" pitchFamily="18" charset="0"/>
+              <a:latin typeface="Times New Roman" panose="02020503050405090304" pitchFamily="18" charset="0"/>
               <a:ea typeface="字魂58号-创中黑" panose="00000500000000000000" pitchFamily="2" charset="-122"/>
-              <a:cs typeface="Times New Roman" panose="02020603050405020304" pitchFamily="18" charset="0"/>
+              <a:cs typeface="Times New Roman" panose="02020503050405090304" pitchFamily="18" charset="0"/>
               <a:sym typeface="字魂58号-创中黑" panose="00000500000000000000" pitchFamily="2" charset="-122"/>
             </a:endParaRPr>
           </a:p>
@@ -23435,9 +23484,9 @@
                     </a:schemeClr>
                   </a:outerShdw>
                 </a:effectLst>
-                <a:latin typeface="Times New Roman" panose="02020603050405020304" pitchFamily="18" charset="0"/>
+                <a:latin typeface="Times New Roman" panose="02020503050405090304" pitchFamily="18" charset="0"/>
                 <a:ea typeface="字魂58号-创中黑" panose="00000500000000000000" pitchFamily="2" charset="-122"/>
-                <a:cs typeface="Times New Roman" panose="02020603050405020304" pitchFamily="18" charset="0"/>
+                <a:cs typeface="Times New Roman" panose="02020503050405090304" pitchFamily="18" charset="0"/>
                 <a:sym typeface="字魂58号-创中黑" panose="00000500000000000000" pitchFamily="2" charset="-122"/>
               </a:rPr>
               <a:t>Live Demonstration</a:t>
@@ -23453,9 +23502,9 @@
                   </a:schemeClr>
                 </a:outerShdw>
               </a:effectLst>
-              <a:latin typeface="Times New Roman" panose="02020603050405020304" pitchFamily="18" charset="0"/>
+              <a:latin typeface="Times New Roman" panose="02020503050405090304" pitchFamily="18" charset="0"/>
               <a:ea typeface="字魂58号-创中黑" panose="00000500000000000000" pitchFamily="2" charset="-122"/>
-              <a:cs typeface="Times New Roman" panose="02020603050405020304" pitchFamily="18" charset="0"/>
+              <a:cs typeface="Times New Roman" panose="02020503050405090304" pitchFamily="18" charset="0"/>
               <a:sym typeface="字魂58号-创中黑" panose="00000500000000000000" pitchFamily="2" charset="-122"/>
             </a:endParaRPr>
           </a:p>
@@ -23586,6 +23635,43 @@
           </a:fontRef>
         </p:style>
       </p:cxnSp>
+      <p:sp>
+        <p:nvSpPr>
+          <p:cNvPr id="3" name="五角星 2"/>
+          <p:cNvSpPr/>
+          <p:nvPr/>
+        </p:nvSpPr>
+        <p:spPr>
+          <a:xfrm>
+            <a:off x="4080510" y="3195320"/>
+            <a:ext cx="504000" cy="468000"/>
+          </a:xfrm>
+          <a:prstGeom prst="star5">
+            <a:avLst/>
+          </a:prstGeom>
+        </p:spPr>
+        <p:style>
+          <a:lnRef idx="0">
+            <a:srgbClr val="FFFFFF"/>
+          </a:lnRef>
+          <a:fillRef idx="1">
+            <a:schemeClr val="accent1"/>
+          </a:fillRef>
+          <a:effectRef idx="0">
+            <a:srgbClr val="FFFFFF"/>
+          </a:effectRef>
+          <a:fontRef idx="minor">
+            <a:schemeClr val="lt1"/>
+          </a:fontRef>
+        </p:style>
+        <p:txBody>
+          <a:bodyPr rtlCol="0" anchor="ctr"/>
+          <a:p>
+            <a:pPr algn="ctr"/>
+            <a:endParaRPr lang="zh-CN" altLang="en-US"/>
+          </a:p>
+        </p:txBody>
+      </p:sp>
     </p:spTree>
   </p:cSld>
   <p:clrMapOvr>
